--- a/7. server/Packet Tracer - Server.pptx
+++ b/7. server/Packet Tracer - Server.pptx
@@ -18,11 +18,15 @@
     <p:sldId id="272" r:id="rId12"/>
     <p:sldId id="273" r:id="rId13"/>
     <p:sldId id="266" r:id="rId14"/>
-    <p:sldId id="265" r:id="rId15"/>
-    <p:sldId id="267" r:id="rId16"/>
-    <p:sldId id="268" r:id="rId17"/>
-    <p:sldId id="269" r:id="rId18"/>
-    <p:sldId id="274" r:id="rId19"/>
+    <p:sldId id="275" r:id="rId15"/>
+    <p:sldId id="276" r:id="rId16"/>
+    <p:sldId id="277" r:id="rId17"/>
+    <p:sldId id="278" r:id="rId18"/>
+    <p:sldId id="279" r:id="rId19"/>
+    <p:sldId id="280" r:id="rId20"/>
+    <p:sldId id="268" r:id="rId21"/>
+    <p:sldId id="269" r:id="rId22"/>
+    <p:sldId id="274" r:id="rId23"/>
   </p:sldIdLst>
   <p:sldSz cx="12192000" cy="6858000"/>
   <p:notesSz cx="6858000" cy="9144000"/>
@@ -276,7 +280,7 @@
           <a:p>
             <a:fld id="{AB0AFA2F-5F62-493C-AFD0-F91365F0B0B7}" type="datetimeFigureOut">
               <a:rPr lang="ko-KR" altLang="en-US" smtClean="0"/>
-              <a:t>2023-09-20</a:t>
+              <a:t>2023-09-27</a:t>
             </a:fld>
             <a:endParaRPr lang="ko-KR" altLang="en-US"/>
           </a:p>
@@ -474,7 +478,7 @@
           <a:p>
             <a:fld id="{AB0AFA2F-5F62-493C-AFD0-F91365F0B0B7}" type="datetimeFigureOut">
               <a:rPr lang="ko-KR" altLang="en-US" smtClean="0"/>
-              <a:t>2023-09-20</a:t>
+              <a:t>2023-09-27</a:t>
             </a:fld>
             <a:endParaRPr lang="ko-KR" altLang="en-US"/>
           </a:p>
@@ -682,7 +686,7 @@
           <a:p>
             <a:fld id="{AB0AFA2F-5F62-493C-AFD0-F91365F0B0B7}" type="datetimeFigureOut">
               <a:rPr lang="ko-KR" altLang="en-US" smtClean="0"/>
-              <a:t>2023-09-20</a:t>
+              <a:t>2023-09-27</a:t>
             </a:fld>
             <a:endParaRPr lang="ko-KR" altLang="en-US"/>
           </a:p>
@@ -880,7 +884,7 @@
           <a:p>
             <a:fld id="{AB0AFA2F-5F62-493C-AFD0-F91365F0B0B7}" type="datetimeFigureOut">
               <a:rPr lang="ko-KR" altLang="en-US" smtClean="0"/>
-              <a:t>2023-09-20</a:t>
+              <a:t>2023-09-27</a:t>
             </a:fld>
             <a:endParaRPr lang="ko-KR" altLang="en-US"/>
           </a:p>
@@ -1155,7 +1159,7 @@
           <a:p>
             <a:fld id="{AB0AFA2F-5F62-493C-AFD0-F91365F0B0B7}" type="datetimeFigureOut">
               <a:rPr lang="ko-KR" altLang="en-US" smtClean="0"/>
-              <a:t>2023-09-20</a:t>
+              <a:t>2023-09-27</a:t>
             </a:fld>
             <a:endParaRPr lang="ko-KR" altLang="en-US"/>
           </a:p>
@@ -1420,7 +1424,7 @@
           <a:p>
             <a:fld id="{AB0AFA2F-5F62-493C-AFD0-F91365F0B0B7}" type="datetimeFigureOut">
               <a:rPr lang="ko-KR" altLang="en-US" smtClean="0"/>
-              <a:t>2023-09-20</a:t>
+              <a:t>2023-09-27</a:t>
             </a:fld>
             <a:endParaRPr lang="ko-KR" altLang="en-US"/>
           </a:p>
@@ -1832,7 +1836,7 @@
           <a:p>
             <a:fld id="{AB0AFA2F-5F62-493C-AFD0-F91365F0B0B7}" type="datetimeFigureOut">
               <a:rPr lang="ko-KR" altLang="en-US" smtClean="0"/>
-              <a:t>2023-09-20</a:t>
+              <a:t>2023-09-27</a:t>
             </a:fld>
             <a:endParaRPr lang="ko-KR" altLang="en-US"/>
           </a:p>
@@ -1973,7 +1977,7 @@
           <a:p>
             <a:fld id="{AB0AFA2F-5F62-493C-AFD0-F91365F0B0B7}" type="datetimeFigureOut">
               <a:rPr lang="ko-KR" altLang="en-US" smtClean="0"/>
-              <a:t>2023-09-20</a:t>
+              <a:t>2023-09-27</a:t>
             </a:fld>
             <a:endParaRPr lang="ko-KR" altLang="en-US"/>
           </a:p>
@@ -2086,7 +2090,7 @@
           <a:p>
             <a:fld id="{AB0AFA2F-5F62-493C-AFD0-F91365F0B0B7}" type="datetimeFigureOut">
               <a:rPr lang="ko-KR" altLang="en-US" smtClean="0"/>
-              <a:t>2023-09-20</a:t>
+              <a:t>2023-09-27</a:t>
             </a:fld>
             <a:endParaRPr lang="ko-KR" altLang="en-US"/>
           </a:p>
@@ -2397,7 +2401,7 @@
           <a:p>
             <a:fld id="{AB0AFA2F-5F62-493C-AFD0-F91365F0B0B7}" type="datetimeFigureOut">
               <a:rPr lang="ko-KR" altLang="en-US" smtClean="0"/>
-              <a:t>2023-09-20</a:t>
+              <a:t>2023-09-27</a:t>
             </a:fld>
             <a:endParaRPr lang="ko-KR" altLang="en-US"/>
           </a:p>
@@ -2685,7 +2689,7 @@
           <a:p>
             <a:fld id="{AB0AFA2F-5F62-493C-AFD0-F91365F0B0B7}" type="datetimeFigureOut">
               <a:rPr lang="ko-KR" altLang="en-US" smtClean="0"/>
-              <a:t>2023-09-20</a:t>
+              <a:t>2023-09-27</a:t>
             </a:fld>
             <a:endParaRPr lang="ko-KR" altLang="en-US"/>
           </a:p>
@@ -2926,7 +2930,7 @@
           <a:p>
             <a:fld id="{AB0AFA2F-5F62-493C-AFD0-F91365F0B0B7}" type="datetimeFigureOut">
               <a:rPr lang="ko-KR" altLang="en-US" smtClean="0"/>
-              <a:t>2023-09-20</a:t>
+              <a:t>2023-09-27</a:t>
             </a:fld>
             <a:endParaRPr lang="ko-KR" altLang="en-US"/>
           </a:p>
@@ -4296,7 +4300,7 @@
           <p:cNvPr id="2" name="제목 1">
             <a:extLst>
               <a:ext uri="{FF2B5EF4-FFF2-40B4-BE49-F238E27FC236}">
-                <a16:creationId xmlns:a16="http://schemas.microsoft.com/office/drawing/2014/main" id="{5BE5576E-952E-F7F1-2302-54BDD3AAB141}"/>
+                <a16:creationId xmlns:a16="http://schemas.microsoft.com/office/drawing/2014/main" id="{8E9533FB-CDFD-4968-85FA-E302AD210F85}"/>
               </a:ext>
             </a:extLst>
           </p:cNvPr>
@@ -4333,10 +4337,10 @@
       </p:sp>
       <p:sp>
         <p:nvSpPr>
-          <p:cNvPr id="3" name="내용 개체 틀 2">
-            <a:extLst>
-              <a:ext uri="{FF2B5EF4-FFF2-40B4-BE49-F238E27FC236}">
-                <a16:creationId xmlns:a16="http://schemas.microsoft.com/office/drawing/2014/main" id="{768FC02E-6B91-D0CD-832A-CDD9503CD5B6}"/>
+          <p:cNvPr id="5" name="내용 개체 틀 4">
+            <a:extLst>
+              <a:ext uri="{FF2B5EF4-FFF2-40B4-BE49-F238E27FC236}">
+                <a16:creationId xmlns:a16="http://schemas.microsoft.com/office/drawing/2014/main" id="{5DCA8A08-83DD-ABAE-A049-9F0762EEACF0}"/>
               </a:ext>
             </a:extLst>
           </p:cNvPr>
@@ -4349,8 +4353,8 @@
         </p:nvSpPr>
         <p:spPr>
           <a:xfrm>
-            <a:off x="838200" y="1825625"/>
-            <a:ext cx="10515600" cy="479830"/>
+            <a:off x="838200" y="1874837"/>
+            <a:ext cx="10515600" cy="391285"/>
           </a:xfrm>
         </p:spPr>
         <p:txBody>
@@ -4363,966 +4367,96 @@
               <a:buNone/>
             </a:pPr>
             <a:r>
-              <a:rPr lang="en-US" altLang="ko-KR" sz="2500" b="1">
-                <a:solidFill>
-                  <a:schemeClr val="bg1"/>
-                </a:solidFill>
-              </a:rPr>
-              <a:t>AAA</a:t>
-            </a:r>
-            <a:r>
-              <a:rPr lang="ko-KR" altLang="en-US" sz="2500" b="1" dirty="0">
-                <a:solidFill>
-                  <a:schemeClr val="bg1"/>
-                </a:solidFill>
-              </a:rPr>
-              <a:t> 설정방법</a:t>
-            </a:r>
+              <a:rPr lang="ko-KR" altLang="en-US" sz="1600" dirty="0">
+                <a:solidFill>
+                  <a:schemeClr val="bg1"/>
+                </a:solidFill>
+              </a:rPr>
+              <a:t>네트워크에 접근하기 위해서 </a:t>
+            </a:r>
+            <a:r>
+              <a:rPr lang="en-US" altLang="ko-KR" sz="1600" dirty="0">
+                <a:solidFill>
+                  <a:schemeClr val="bg1"/>
+                </a:solidFill>
+              </a:rPr>
+              <a:t>AAA </a:t>
+            </a:r>
+            <a:r>
+              <a:rPr lang="ko-KR" altLang="en-US" sz="1600" dirty="0">
+                <a:solidFill>
+                  <a:schemeClr val="bg1"/>
+                </a:solidFill>
+              </a:rPr>
+              <a:t>서버에 저장된 정보와 일치하면 네트워크에 접속 일치하지 않으면 거부한다</a:t>
+            </a:r>
+            <a:r>
+              <a:rPr lang="en-US" altLang="ko-KR" sz="1600" dirty="0">
+                <a:solidFill>
+                  <a:schemeClr val="bg1"/>
+                </a:solidFill>
+              </a:rPr>
+              <a:t>.</a:t>
+            </a:r>
+            <a:endParaRPr lang="ko-KR" altLang="en-US" sz="1600" dirty="0">
+              <a:solidFill>
+                <a:schemeClr val="bg1"/>
+              </a:solidFill>
+            </a:endParaRPr>
           </a:p>
         </p:txBody>
       </p:sp>
       <p:pic>
         <p:nvPicPr>
-          <p:cNvPr id="7" name="그림 6">
-            <a:extLst>
-              <a:ext uri="{FF2B5EF4-FFF2-40B4-BE49-F238E27FC236}">
-                <a16:creationId xmlns:a16="http://schemas.microsoft.com/office/drawing/2014/main" id="{E0635760-7378-E615-97CD-6A20E1D4EEB6}"/>
+          <p:cNvPr id="1026" name="Picture 2">
+            <a:extLst>
+              <a:ext uri="{FF2B5EF4-FFF2-40B4-BE49-F238E27FC236}">
+                <a16:creationId xmlns:a16="http://schemas.microsoft.com/office/drawing/2014/main" id="{A0DB4C6E-3A2E-F540-EE5D-2D62D0516ECE}"/>
               </a:ext>
             </a:extLst>
           </p:cNvPr>
           <p:cNvPicPr>
-            <a:picLocks noChangeAspect="1"/>
+            <a:picLocks noChangeAspect="1" noChangeArrowheads="1"/>
           </p:cNvPicPr>
           <p:nvPr/>
         </p:nvPicPr>
         <p:blipFill>
-          <a:blip r:embed="rId2"/>
+          <a:blip r:embed="rId2">
+            <a:extLst>
+              <a:ext uri="{28A0092B-C50C-407E-A947-70E740481C1C}">
+                <a14:useLocalDpi xmlns:a14="http://schemas.microsoft.com/office/drawing/2010/main" val="0"/>
+              </a:ext>
+            </a:extLst>
+          </a:blip>
+          <a:srcRect/>
           <a:stretch>
             <a:fillRect/>
           </a:stretch>
         </p:blipFill>
-        <p:spPr>
+        <p:spPr bwMode="auto">
           <a:xfrm>
-            <a:off x="3758495" y="2305455"/>
-            <a:ext cx="4675010" cy="4450446"/>
-          </a:xfrm>
-          <a:prstGeom prst="rect">
-            <a:avLst/>
-          </a:prstGeom>
-        </p:spPr>
-      </p:pic>
-      <p:sp>
-        <p:nvSpPr>
-          <p:cNvPr id="8" name="직사각형 7">
-            <a:extLst>
-              <a:ext uri="{FF2B5EF4-FFF2-40B4-BE49-F238E27FC236}">
-                <a16:creationId xmlns:a16="http://schemas.microsoft.com/office/drawing/2014/main" id="{2D1D79C6-D260-4127-1E56-2DCE7078D6C0}"/>
-              </a:ext>
-            </a:extLst>
-          </p:cNvPr>
-          <p:cNvSpPr/>
-          <p:nvPr/>
-        </p:nvSpPr>
-        <p:spPr>
-          <a:xfrm>
-            <a:off x="4985510" y="3064041"/>
-            <a:ext cx="3356385" cy="364959"/>
+            <a:off x="2129081" y="2450271"/>
+            <a:ext cx="7933838" cy="4158049"/>
           </a:xfrm>
           <a:prstGeom prst="rect">
             <a:avLst/>
           </a:prstGeom>
           <a:noFill/>
-          <a:ln w="38100">
-            <a:solidFill>
-              <a:srgbClr val="FF0000"/>
-            </a:solidFill>
-          </a:ln>
+          <a:extLst>
+            <a:ext uri="{909E8E84-426E-40DD-AFC4-6F175D3DCCD1}">
+              <a14:hiddenFill xmlns:a14="http://schemas.microsoft.com/office/drawing/2010/main">
+                <a:solidFill>
+                  <a:srgbClr val="FFFFFF"/>
+                </a:solidFill>
+              </a14:hiddenFill>
+            </a:ext>
+          </a:extLst>
         </p:spPr>
-        <p:style>
-          <a:lnRef idx="2">
-            <a:schemeClr val="accent1">
-              <a:shade val="15000"/>
-            </a:schemeClr>
-          </a:lnRef>
-          <a:fillRef idx="1">
-            <a:schemeClr val="accent1"/>
-          </a:fillRef>
-          <a:effectRef idx="0">
-            <a:schemeClr val="accent1"/>
-          </a:effectRef>
-          <a:fontRef idx="minor">
-            <a:schemeClr val="lt1"/>
-          </a:fontRef>
-        </p:style>
-        <p:txBody>
-          <a:bodyPr rtlCol="0" anchor="ctr"/>
-          <a:lstStyle/>
-          <a:p>
-            <a:pPr algn="ctr"/>
-            <a:endParaRPr lang="ko-KR" altLang="en-US"/>
-          </a:p>
-        </p:txBody>
-      </p:sp>
-      <p:sp>
-        <p:nvSpPr>
-          <p:cNvPr id="9" name="직사각형 8">
-            <a:extLst>
-              <a:ext uri="{FF2B5EF4-FFF2-40B4-BE49-F238E27FC236}">
-                <a16:creationId xmlns:a16="http://schemas.microsoft.com/office/drawing/2014/main" id="{D9FCD9B2-789E-1562-D54D-6D11DD08A03E}"/>
-              </a:ext>
-            </a:extLst>
-          </p:cNvPr>
-          <p:cNvSpPr/>
-          <p:nvPr/>
-        </p:nvSpPr>
-        <p:spPr>
-          <a:xfrm>
-            <a:off x="4985509" y="3429000"/>
-            <a:ext cx="3356385" cy="597568"/>
-          </a:xfrm>
-          <a:prstGeom prst="rect">
-            <a:avLst/>
-          </a:prstGeom>
-          <a:noFill/>
-          <a:ln w="38100">
-            <a:solidFill>
-              <a:srgbClr val="FF0000"/>
-            </a:solidFill>
-          </a:ln>
-        </p:spPr>
-        <p:style>
-          <a:lnRef idx="2">
-            <a:schemeClr val="accent1">
-              <a:shade val="15000"/>
-            </a:schemeClr>
-          </a:lnRef>
-          <a:fillRef idx="1">
-            <a:schemeClr val="accent1"/>
-          </a:fillRef>
-          <a:effectRef idx="0">
-            <a:schemeClr val="accent1"/>
-          </a:effectRef>
-          <a:fontRef idx="minor">
-            <a:schemeClr val="lt1"/>
-          </a:fontRef>
-        </p:style>
-        <p:txBody>
-          <a:bodyPr rtlCol="0" anchor="ctr"/>
-          <a:lstStyle/>
-          <a:p>
-            <a:pPr algn="ctr"/>
-            <a:endParaRPr lang="ko-KR" altLang="en-US"/>
-          </a:p>
-        </p:txBody>
-      </p:sp>
-      <p:sp>
-        <p:nvSpPr>
-          <p:cNvPr id="10" name="직사각형 9">
-            <a:extLst>
-              <a:ext uri="{FF2B5EF4-FFF2-40B4-BE49-F238E27FC236}">
-                <a16:creationId xmlns:a16="http://schemas.microsoft.com/office/drawing/2014/main" id="{6E7C71FF-123F-0B12-6F79-A7382FC94DCB}"/>
-              </a:ext>
-            </a:extLst>
-          </p:cNvPr>
-          <p:cNvSpPr/>
-          <p:nvPr/>
-        </p:nvSpPr>
-        <p:spPr>
-          <a:xfrm>
-            <a:off x="4985508" y="5092450"/>
-            <a:ext cx="3356385" cy="1003550"/>
-          </a:xfrm>
-          <a:prstGeom prst="rect">
-            <a:avLst/>
-          </a:prstGeom>
-          <a:noFill/>
-          <a:ln w="38100">
-            <a:solidFill>
-              <a:srgbClr val="FF0000"/>
-            </a:solidFill>
-          </a:ln>
-        </p:spPr>
-        <p:style>
-          <a:lnRef idx="2">
-            <a:schemeClr val="accent1">
-              <a:shade val="15000"/>
-            </a:schemeClr>
-          </a:lnRef>
-          <a:fillRef idx="1">
-            <a:schemeClr val="accent1"/>
-          </a:fillRef>
-          <a:effectRef idx="0">
-            <a:schemeClr val="accent1"/>
-          </a:effectRef>
-          <a:fontRef idx="minor">
-            <a:schemeClr val="lt1"/>
-          </a:fontRef>
-        </p:style>
-        <p:txBody>
-          <a:bodyPr rtlCol="0" anchor="ctr"/>
-          <a:lstStyle/>
-          <a:p>
-            <a:pPr algn="ctr"/>
-            <a:endParaRPr lang="ko-KR" altLang="en-US"/>
-          </a:p>
-        </p:txBody>
-      </p:sp>
-      <p:sp>
-        <p:nvSpPr>
-          <p:cNvPr id="11" name="내용 개체 틀 2">
-            <a:extLst>
-              <a:ext uri="{FF2B5EF4-FFF2-40B4-BE49-F238E27FC236}">
-                <a16:creationId xmlns:a16="http://schemas.microsoft.com/office/drawing/2014/main" id="{22BD5868-FC23-01ED-BEE3-6FC812D79FF7}"/>
-              </a:ext>
-            </a:extLst>
-          </p:cNvPr>
-          <p:cNvSpPr txBox="1">
-            <a:spLocks/>
-          </p:cNvSpPr>
-          <p:nvPr/>
-        </p:nvSpPr>
-        <p:spPr>
-          <a:xfrm>
-            <a:off x="8487050" y="3120256"/>
-            <a:ext cx="2813204" cy="360881"/>
-          </a:xfrm>
-          <a:prstGeom prst="rect">
-            <a:avLst/>
-          </a:prstGeom>
-        </p:spPr>
-        <p:txBody>
-          <a:bodyPr vert="horz" lIns="91440" tIns="45720" rIns="91440" bIns="45720" rtlCol="0">
-            <a:normAutofit/>
-          </a:bodyPr>
-          <a:lstStyle>
-            <a:lvl1pPr marL="228600" indent="-228600" algn="l" defTabSz="914400" rtl="0" eaLnBrk="1" latinLnBrk="1" hangingPunct="1">
-              <a:lnSpc>
-                <a:spcPct val="90000"/>
-              </a:lnSpc>
-              <a:spcBef>
-                <a:spcPts val="1000"/>
-              </a:spcBef>
-              <a:buFont typeface="Arial" panose="020B0604020202020204" pitchFamily="34" charset="0"/>
-              <a:buChar char="•"/>
-              <a:defRPr sz="2800" kern="1200">
-                <a:solidFill>
-                  <a:schemeClr val="tx1"/>
-                </a:solidFill>
-                <a:latin typeface="+mn-lt"/>
-                <a:ea typeface="+mn-ea"/>
-                <a:cs typeface="+mn-cs"/>
-              </a:defRPr>
-            </a:lvl1pPr>
-            <a:lvl2pPr marL="685800" indent="-228600" algn="l" defTabSz="914400" rtl="0" eaLnBrk="1" latinLnBrk="1" hangingPunct="1">
-              <a:lnSpc>
-                <a:spcPct val="90000"/>
-              </a:lnSpc>
-              <a:spcBef>
-                <a:spcPts val="500"/>
-              </a:spcBef>
-              <a:buFont typeface="Arial" panose="020B0604020202020204" pitchFamily="34" charset="0"/>
-              <a:buChar char="•"/>
-              <a:defRPr sz="2400" kern="1200">
-                <a:solidFill>
-                  <a:schemeClr val="tx1"/>
-                </a:solidFill>
-                <a:latin typeface="+mn-lt"/>
-                <a:ea typeface="+mn-ea"/>
-                <a:cs typeface="+mn-cs"/>
-              </a:defRPr>
-            </a:lvl2pPr>
-            <a:lvl3pPr marL="1143000" indent="-228600" algn="l" defTabSz="914400" rtl="0" eaLnBrk="1" latinLnBrk="1" hangingPunct="1">
-              <a:lnSpc>
-                <a:spcPct val="90000"/>
-              </a:lnSpc>
-              <a:spcBef>
-                <a:spcPts val="500"/>
-              </a:spcBef>
-              <a:buFont typeface="Arial" panose="020B0604020202020204" pitchFamily="34" charset="0"/>
-              <a:buChar char="•"/>
-              <a:defRPr sz="2000" kern="1200">
-                <a:solidFill>
-                  <a:schemeClr val="tx1"/>
-                </a:solidFill>
-                <a:latin typeface="+mn-lt"/>
-                <a:ea typeface="+mn-ea"/>
-                <a:cs typeface="+mn-cs"/>
-              </a:defRPr>
-            </a:lvl3pPr>
-            <a:lvl4pPr marL="1600200" indent="-228600" algn="l" defTabSz="914400" rtl="0" eaLnBrk="1" latinLnBrk="1" hangingPunct="1">
-              <a:lnSpc>
-                <a:spcPct val="90000"/>
-              </a:lnSpc>
-              <a:spcBef>
-                <a:spcPts val="500"/>
-              </a:spcBef>
-              <a:buFont typeface="Arial" panose="020B0604020202020204" pitchFamily="34" charset="0"/>
-              <a:buChar char="•"/>
-              <a:defRPr sz="1800" kern="1200">
-                <a:solidFill>
-                  <a:schemeClr val="tx1"/>
-                </a:solidFill>
-                <a:latin typeface="+mn-lt"/>
-                <a:ea typeface="+mn-ea"/>
-                <a:cs typeface="+mn-cs"/>
-              </a:defRPr>
-            </a:lvl4pPr>
-            <a:lvl5pPr marL="2057400" indent="-228600" algn="l" defTabSz="914400" rtl="0" eaLnBrk="1" latinLnBrk="1" hangingPunct="1">
-              <a:lnSpc>
-                <a:spcPct val="90000"/>
-              </a:lnSpc>
-              <a:spcBef>
-                <a:spcPts val="500"/>
-              </a:spcBef>
-              <a:buFont typeface="Arial" panose="020B0604020202020204" pitchFamily="34" charset="0"/>
-              <a:buChar char="•"/>
-              <a:defRPr sz="1800" kern="1200">
-                <a:solidFill>
-                  <a:schemeClr val="tx1"/>
-                </a:solidFill>
-                <a:latin typeface="+mn-lt"/>
-                <a:ea typeface="+mn-ea"/>
-                <a:cs typeface="+mn-cs"/>
-              </a:defRPr>
-            </a:lvl5pPr>
-            <a:lvl6pPr marL="2514600" indent="-228600" algn="l" defTabSz="914400" rtl="0" eaLnBrk="1" latinLnBrk="1" hangingPunct="1">
-              <a:lnSpc>
-                <a:spcPct val="90000"/>
-              </a:lnSpc>
-              <a:spcBef>
-                <a:spcPts val="500"/>
-              </a:spcBef>
-              <a:buFont typeface="Arial" panose="020B0604020202020204" pitchFamily="34" charset="0"/>
-              <a:buChar char="•"/>
-              <a:defRPr sz="1800" kern="1200">
-                <a:solidFill>
-                  <a:schemeClr val="tx1"/>
-                </a:solidFill>
-                <a:latin typeface="+mn-lt"/>
-                <a:ea typeface="+mn-ea"/>
-                <a:cs typeface="+mn-cs"/>
-              </a:defRPr>
-            </a:lvl6pPr>
-            <a:lvl7pPr marL="2971800" indent="-228600" algn="l" defTabSz="914400" rtl="0" eaLnBrk="1" latinLnBrk="1" hangingPunct="1">
-              <a:lnSpc>
-                <a:spcPct val="90000"/>
-              </a:lnSpc>
-              <a:spcBef>
-                <a:spcPts val="500"/>
-              </a:spcBef>
-              <a:buFont typeface="Arial" panose="020B0604020202020204" pitchFamily="34" charset="0"/>
-              <a:buChar char="•"/>
-              <a:defRPr sz="1800" kern="1200">
-                <a:solidFill>
-                  <a:schemeClr val="tx1"/>
-                </a:solidFill>
-                <a:latin typeface="+mn-lt"/>
-                <a:ea typeface="+mn-ea"/>
-                <a:cs typeface="+mn-cs"/>
-              </a:defRPr>
-            </a:lvl7pPr>
-            <a:lvl8pPr marL="3429000" indent="-228600" algn="l" defTabSz="914400" rtl="0" eaLnBrk="1" latinLnBrk="1" hangingPunct="1">
-              <a:lnSpc>
-                <a:spcPct val="90000"/>
-              </a:lnSpc>
-              <a:spcBef>
-                <a:spcPts val="500"/>
-              </a:spcBef>
-              <a:buFont typeface="Arial" panose="020B0604020202020204" pitchFamily="34" charset="0"/>
-              <a:buChar char="•"/>
-              <a:defRPr sz="1800" kern="1200">
-                <a:solidFill>
-                  <a:schemeClr val="tx1"/>
-                </a:solidFill>
-                <a:latin typeface="+mn-lt"/>
-                <a:ea typeface="+mn-ea"/>
-                <a:cs typeface="+mn-cs"/>
-              </a:defRPr>
-            </a:lvl8pPr>
-            <a:lvl9pPr marL="3886200" indent="-228600" algn="l" defTabSz="914400" rtl="0" eaLnBrk="1" latinLnBrk="1" hangingPunct="1">
-              <a:lnSpc>
-                <a:spcPct val="90000"/>
-              </a:lnSpc>
-              <a:spcBef>
-                <a:spcPts val="500"/>
-              </a:spcBef>
-              <a:buFont typeface="Arial" panose="020B0604020202020204" pitchFamily="34" charset="0"/>
-              <a:buChar char="•"/>
-              <a:defRPr sz="1800" kern="1200">
-                <a:solidFill>
-                  <a:schemeClr val="tx1"/>
-                </a:solidFill>
-                <a:latin typeface="+mn-lt"/>
-                <a:ea typeface="+mn-ea"/>
-                <a:cs typeface="+mn-cs"/>
-              </a:defRPr>
-            </a:lvl9pPr>
-          </a:lstStyle>
-          <a:p>
-            <a:pPr marL="0" indent="0" algn="ctr">
-              <a:buFont typeface="Arial" panose="020B0604020202020204" pitchFamily="34" charset="0"/>
-              <a:buNone/>
-            </a:pPr>
-            <a:r>
-              <a:rPr lang="en-US" altLang="ko-KR" sz="1500" b="1" dirty="0">
-                <a:solidFill>
-                  <a:schemeClr val="bg1"/>
-                </a:solidFill>
-              </a:rPr>
-              <a:t>AAA </a:t>
-            </a:r>
-            <a:r>
-              <a:rPr lang="ko-KR" altLang="en-US" sz="1500" b="1" dirty="0">
-                <a:solidFill>
-                  <a:schemeClr val="bg1"/>
-                </a:solidFill>
-              </a:rPr>
-              <a:t>설정을 </a:t>
-            </a:r>
-            <a:r>
-              <a:rPr lang="en-US" altLang="ko-KR" sz="1500" b="1" dirty="0">
-                <a:solidFill>
-                  <a:schemeClr val="bg1"/>
-                </a:solidFill>
-              </a:rPr>
-              <a:t>ON</a:t>
-            </a:r>
-            <a:r>
-              <a:rPr lang="ko-KR" altLang="en-US" sz="1500" b="1" dirty="0">
-                <a:solidFill>
-                  <a:schemeClr val="bg1"/>
-                </a:solidFill>
-              </a:rPr>
-              <a:t>으로 해준다</a:t>
-            </a:r>
-            <a:r>
-              <a:rPr lang="en-US" altLang="ko-KR" sz="1500" b="1" dirty="0">
-                <a:solidFill>
-                  <a:schemeClr val="bg1"/>
-                </a:solidFill>
-              </a:rPr>
-              <a:t>.</a:t>
-            </a:r>
-            <a:endParaRPr lang="ko-KR" altLang="en-US" sz="1500" b="1" dirty="0">
-              <a:solidFill>
-                <a:schemeClr val="bg1"/>
-              </a:solidFill>
-            </a:endParaRPr>
-          </a:p>
-        </p:txBody>
-      </p:sp>
-      <p:sp>
-        <p:nvSpPr>
-          <p:cNvPr id="12" name="내용 개체 틀 2">
-            <a:extLst>
-              <a:ext uri="{FF2B5EF4-FFF2-40B4-BE49-F238E27FC236}">
-                <a16:creationId xmlns:a16="http://schemas.microsoft.com/office/drawing/2014/main" id="{2CBB8385-3FA3-286E-4E28-398F6E0BB0D7}"/>
-              </a:ext>
-            </a:extLst>
-          </p:cNvPr>
-          <p:cNvSpPr txBox="1">
-            <a:spLocks/>
-          </p:cNvSpPr>
-          <p:nvPr/>
-        </p:nvSpPr>
-        <p:spPr>
-          <a:xfrm>
-            <a:off x="8487050" y="3481137"/>
-            <a:ext cx="2813204" cy="814801"/>
-          </a:xfrm>
-          <a:prstGeom prst="rect">
-            <a:avLst/>
-          </a:prstGeom>
-        </p:spPr>
-        <p:txBody>
-          <a:bodyPr vert="horz" lIns="91440" tIns="45720" rIns="91440" bIns="45720" rtlCol="0">
-            <a:normAutofit fontScale="92500" lnSpcReduction="20000"/>
-          </a:bodyPr>
-          <a:lstStyle>
-            <a:lvl1pPr marL="228600" indent="-228600" algn="l" defTabSz="914400" rtl="0" eaLnBrk="1" latinLnBrk="1" hangingPunct="1">
-              <a:lnSpc>
-                <a:spcPct val="90000"/>
-              </a:lnSpc>
-              <a:spcBef>
-                <a:spcPts val="1000"/>
-              </a:spcBef>
-              <a:buFont typeface="Arial" panose="020B0604020202020204" pitchFamily="34" charset="0"/>
-              <a:buChar char="•"/>
-              <a:defRPr sz="2800" kern="1200">
-                <a:solidFill>
-                  <a:schemeClr val="tx1"/>
-                </a:solidFill>
-                <a:latin typeface="+mn-lt"/>
-                <a:ea typeface="+mn-ea"/>
-                <a:cs typeface="+mn-cs"/>
-              </a:defRPr>
-            </a:lvl1pPr>
-            <a:lvl2pPr marL="685800" indent="-228600" algn="l" defTabSz="914400" rtl="0" eaLnBrk="1" latinLnBrk="1" hangingPunct="1">
-              <a:lnSpc>
-                <a:spcPct val="90000"/>
-              </a:lnSpc>
-              <a:spcBef>
-                <a:spcPts val="500"/>
-              </a:spcBef>
-              <a:buFont typeface="Arial" panose="020B0604020202020204" pitchFamily="34" charset="0"/>
-              <a:buChar char="•"/>
-              <a:defRPr sz="2400" kern="1200">
-                <a:solidFill>
-                  <a:schemeClr val="tx1"/>
-                </a:solidFill>
-                <a:latin typeface="+mn-lt"/>
-                <a:ea typeface="+mn-ea"/>
-                <a:cs typeface="+mn-cs"/>
-              </a:defRPr>
-            </a:lvl2pPr>
-            <a:lvl3pPr marL="1143000" indent="-228600" algn="l" defTabSz="914400" rtl="0" eaLnBrk="1" latinLnBrk="1" hangingPunct="1">
-              <a:lnSpc>
-                <a:spcPct val="90000"/>
-              </a:lnSpc>
-              <a:spcBef>
-                <a:spcPts val="500"/>
-              </a:spcBef>
-              <a:buFont typeface="Arial" panose="020B0604020202020204" pitchFamily="34" charset="0"/>
-              <a:buChar char="•"/>
-              <a:defRPr sz="2000" kern="1200">
-                <a:solidFill>
-                  <a:schemeClr val="tx1"/>
-                </a:solidFill>
-                <a:latin typeface="+mn-lt"/>
-                <a:ea typeface="+mn-ea"/>
-                <a:cs typeface="+mn-cs"/>
-              </a:defRPr>
-            </a:lvl3pPr>
-            <a:lvl4pPr marL="1600200" indent="-228600" algn="l" defTabSz="914400" rtl="0" eaLnBrk="1" latinLnBrk="1" hangingPunct="1">
-              <a:lnSpc>
-                <a:spcPct val="90000"/>
-              </a:lnSpc>
-              <a:spcBef>
-                <a:spcPts val="500"/>
-              </a:spcBef>
-              <a:buFont typeface="Arial" panose="020B0604020202020204" pitchFamily="34" charset="0"/>
-              <a:buChar char="•"/>
-              <a:defRPr sz="1800" kern="1200">
-                <a:solidFill>
-                  <a:schemeClr val="tx1"/>
-                </a:solidFill>
-                <a:latin typeface="+mn-lt"/>
-                <a:ea typeface="+mn-ea"/>
-                <a:cs typeface="+mn-cs"/>
-              </a:defRPr>
-            </a:lvl4pPr>
-            <a:lvl5pPr marL="2057400" indent="-228600" algn="l" defTabSz="914400" rtl="0" eaLnBrk="1" latinLnBrk="1" hangingPunct="1">
-              <a:lnSpc>
-                <a:spcPct val="90000"/>
-              </a:lnSpc>
-              <a:spcBef>
-                <a:spcPts val="500"/>
-              </a:spcBef>
-              <a:buFont typeface="Arial" panose="020B0604020202020204" pitchFamily="34" charset="0"/>
-              <a:buChar char="•"/>
-              <a:defRPr sz="1800" kern="1200">
-                <a:solidFill>
-                  <a:schemeClr val="tx1"/>
-                </a:solidFill>
-                <a:latin typeface="+mn-lt"/>
-                <a:ea typeface="+mn-ea"/>
-                <a:cs typeface="+mn-cs"/>
-              </a:defRPr>
-            </a:lvl5pPr>
-            <a:lvl6pPr marL="2514600" indent="-228600" algn="l" defTabSz="914400" rtl="0" eaLnBrk="1" latinLnBrk="1" hangingPunct="1">
-              <a:lnSpc>
-                <a:spcPct val="90000"/>
-              </a:lnSpc>
-              <a:spcBef>
-                <a:spcPts val="500"/>
-              </a:spcBef>
-              <a:buFont typeface="Arial" panose="020B0604020202020204" pitchFamily="34" charset="0"/>
-              <a:buChar char="•"/>
-              <a:defRPr sz="1800" kern="1200">
-                <a:solidFill>
-                  <a:schemeClr val="tx1"/>
-                </a:solidFill>
-                <a:latin typeface="+mn-lt"/>
-                <a:ea typeface="+mn-ea"/>
-                <a:cs typeface="+mn-cs"/>
-              </a:defRPr>
-            </a:lvl6pPr>
-            <a:lvl7pPr marL="2971800" indent="-228600" algn="l" defTabSz="914400" rtl="0" eaLnBrk="1" latinLnBrk="1" hangingPunct="1">
-              <a:lnSpc>
-                <a:spcPct val="90000"/>
-              </a:lnSpc>
-              <a:spcBef>
-                <a:spcPts val="500"/>
-              </a:spcBef>
-              <a:buFont typeface="Arial" panose="020B0604020202020204" pitchFamily="34" charset="0"/>
-              <a:buChar char="•"/>
-              <a:defRPr sz="1800" kern="1200">
-                <a:solidFill>
-                  <a:schemeClr val="tx1"/>
-                </a:solidFill>
-                <a:latin typeface="+mn-lt"/>
-                <a:ea typeface="+mn-ea"/>
-                <a:cs typeface="+mn-cs"/>
-              </a:defRPr>
-            </a:lvl7pPr>
-            <a:lvl8pPr marL="3429000" indent="-228600" algn="l" defTabSz="914400" rtl="0" eaLnBrk="1" latinLnBrk="1" hangingPunct="1">
-              <a:lnSpc>
-                <a:spcPct val="90000"/>
-              </a:lnSpc>
-              <a:spcBef>
-                <a:spcPts val="500"/>
-              </a:spcBef>
-              <a:buFont typeface="Arial" panose="020B0604020202020204" pitchFamily="34" charset="0"/>
-              <a:buChar char="•"/>
-              <a:defRPr sz="1800" kern="1200">
-                <a:solidFill>
-                  <a:schemeClr val="tx1"/>
-                </a:solidFill>
-                <a:latin typeface="+mn-lt"/>
-                <a:ea typeface="+mn-ea"/>
-                <a:cs typeface="+mn-cs"/>
-              </a:defRPr>
-            </a:lvl8pPr>
-            <a:lvl9pPr marL="3886200" indent="-228600" algn="l" defTabSz="914400" rtl="0" eaLnBrk="1" latinLnBrk="1" hangingPunct="1">
-              <a:lnSpc>
-                <a:spcPct val="90000"/>
-              </a:lnSpc>
-              <a:spcBef>
-                <a:spcPts val="500"/>
-              </a:spcBef>
-              <a:buFont typeface="Arial" panose="020B0604020202020204" pitchFamily="34" charset="0"/>
-              <a:buChar char="•"/>
-              <a:defRPr sz="1800" kern="1200">
-                <a:solidFill>
-                  <a:schemeClr val="tx1"/>
-                </a:solidFill>
-                <a:latin typeface="+mn-lt"/>
-                <a:ea typeface="+mn-ea"/>
-                <a:cs typeface="+mn-cs"/>
-              </a:defRPr>
-            </a:lvl9pPr>
-          </a:lstStyle>
-          <a:p>
-            <a:pPr marL="0" indent="0" algn="ctr">
-              <a:buFont typeface="Arial" panose="020B0604020202020204" pitchFamily="34" charset="0"/>
-              <a:buNone/>
-            </a:pPr>
-            <a:r>
-              <a:rPr lang="en-US" altLang="ko-KR" sz="1500" b="1" dirty="0">
-                <a:solidFill>
-                  <a:schemeClr val="bg1"/>
-                </a:solidFill>
-              </a:rPr>
-              <a:t>Client name</a:t>
-            </a:r>
-            <a:r>
-              <a:rPr lang="ko-KR" altLang="en-US" sz="1500" b="1" dirty="0">
-                <a:solidFill>
-                  <a:schemeClr val="bg1"/>
-                </a:solidFill>
-              </a:rPr>
-              <a:t>과 </a:t>
-            </a:r>
-            <a:r>
-              <a:rPr lang="en-US" altLang="ko-KR" sz="1500" b="1" dirty="0">
-                <a:solidFill>
-                  <a:schemeClr val="bg1"/>
-                </a:solidFill>
-              </a:rPr>
-              <a:t>Client IP , </a:t>
-            </a:r>
-          </a:p>
-          <a:p>
-            <a:pPr marL="0" indent="0" algn="ctr">
-              <a:buFont typeface="Arial" panose="020B0604020202020204" pitchFamily="34" charset="0"/>
-              <a:buNone/>
-            </a:pPr>
-            <a:r>
-              <a:rPr lang="en-US" altLang="ko-KR" sz="1500" b="1" dirty="0">
-                <a:solidFill>
-                  <a:schemeClr val="bg1"/>
-                </a:solidFill>
-              </a:rPr>
-              <a:t>Secret </a:t>
-            </a:r>
-            <a:r>
-              <a:rPr lang="ko-KR" altLang="en-US" sz="1500" b="1" dirty="0">
-                <a:solidFill>
-                  <a:schemeClr val="bg1"/>
-                </a:solidFill>
-              </a:rPr>
-              <a:t>을 설정하고 </a:t>
-            </a:r>
-            <a:endParaRPr lang="en-US" altLang="ko-KR" sz="1500" b="1" dirty="0">
-              <a:solidFill>
-                <a:schemeClr val="bg1"/>
-              </a:solidFill>
-            </a:endParaRPr>
-          </a:p>
-          <a:p>
-            <a:pPr marL="0" indent="0" algn="ctr">
-              <a:buFont typeface="Arial" panose="020B0604020202020204" pitchFamily="34" charset="0"/>
-              <a:buNone/>
-            </a:pPr>
-            <a:r>
-              <a:rPr lang="ko-KR" altLang="en-US" sz="1500" b="1" dirty="0">
-                <a:solidFill>
-                  <a:schemeClr val="bg1"/>
-                </a:solidFill>
-              </a:rPr>
-              <a:t>보안방식을 설정해줍니다</a:t>
-            </a:r>
-            <a:r>
-              <a:rPr lang="en-US" altLang="ko-KR" sz="1500" b="1" dirty="0">
-                <a:solidFill>
-                  <a:schemeClr val="bg1"/>
-                </a:solidFill>
-              </a:rPr>
-              <a:t>.</a:t>
-            </a:r>
-            <a:endParaRPr lang="ko-KR" altLang="en-US" sz="1500" b="1" dirty="0">
-              <a:solidFill>
-                <a:schemeClr val="bg1"/>
-              </a:solidFill>
-            </a:endParaRPr>
-          </a:p>
-        </p:txBody>
-      </p:sp>
-      <p:sp>
-        <p:nvSpPr>
-          <p:cNvPr id="14" name="내용 개체 틀 2">
-            <a:extLst>
-              <a:ext uri="{FF2B5EF4-FFF2-40B4-BE49-F238E27FC236}">
-                <a16:creationId xmlns:a16="http://schemas.microsoft.com/office/drawing/2014/main" id="{0C2FC2A6-7B07-4149-70D7-8023779AC87C}"/>
-              </a:ext>
-            </a:extLst>
-          </p:cNvPr>
-          <p:cNvSpPr txBox="1">
-            <a:spLocks/>
-          </p:cNvSpPr>
-          <p:nvPr/>
-        </p:nvSpPr>
-        <p:spPr>
-          <a:xfrm>
-            <a:off x="8433505" y="5233344"/>
-            <a:ext cx="2813204" cy="360881"/>
-          </a:xfrm>
-          <a:prstGeom prst="rect">
-            <a:avLst/>
-          </a:prstGeom>
-        </p:spPr>
-        <p:txBody>
-          <a:bodyPr vert="horz" lIns="91440" tIns="45720" rIns="91440" bIns="45720" rtlCol="0">
-            <a:normAutofit/>
-          </a:bodyPr>
-          <a:lstStyle>
-            <a:lvl1pPr marL="228600" indent="-228600" algn="l" defTabSz="914400" rtl="0" eaLnBrk="1" latinLnBrk="1" hangingPunct="1">
-              <a:lnSpc>
-                <a:spcPct val="90000"/>
-              </a:lnSpc>
-              <a:spcBef>
-                <a:spcPts val="1000"/>
-              </a:spcBef>
-              <a:buFont typeface="Arial" panose="020B0604020202020204" pitchFamily="34" charset="0"/>
-              <a:buChar char="•"/>
-              <a:defRPr sz="2800" kern="1200">
-                <a:solidFill>
-                  <a:schemeClr val="tx1"/>
-                </a:solidFill>
-                <a:latin typeface="+mn-lt"/>
-                <a:ea typeface="+mn-ea"/>
-                <a:cs typeface="+mn-cs"/>
-              </a:defRPr>
-            </a:lvl1pPr>
-            <a:lvl2pPr marL="685800" indent="-228600" algn="l" defTabSz="914400" rtl="0" eaLnBrk="1" latinLnBrk="1" hangingPunct="1">
-              <a:lnSpc>
-                <a:spcPct val="90000"/>
-              </a:lnSpc>
-              <a:spcBef>
-                <a:spcPts val="500"/>
-              </a:spcBef>
-              <a:buFont typeface="Arial" panose="020B0604020202020204" pitchFamily="34" charset="0"/>
-              <a:buChar char="•"/>
-              <a:defRPr sz="2400" kern="1200">
-                <a:solidFill>
-                  <a:schemeClr val="tx1"/>
-                </a:solidFill>
-                <a:latin typeface="+mn-lt"/>
-                <a:ea typeface="+mn-ea"/>
-                <a:cs typeface="+mn-cs"/>
-              </a:defRPr>
-            </a:lvl2pPr>
-            <a:lvl3pPr marL="1143000" indent="-228600" algn="l" defTabSz="914400" rtl="0" eaLnBrk="1" latinLnBrk="1" hangingPunct="1">
-              <a:lnSpc>
-                <a:spcPct val="90000"/>
-              </a:lnSpc>
-              <a:spcBef>
-                <a:spcPts val="500"/>
-              </a:spcBef>
-              <a:buFont typeface="Arial" panose="020B0604020202020204" pitchFamily="34" charset="0"/>
-              <a:buChar char="•"/>
-              <a:defRPr sz="2000" kern="1200">
-                <a:solidFill>
-                  <a:schemeClr val="tx1"/>
-                </a:solidFill>
-                <a:latin typeface="+mn-lt"/>
-                <a:ea typeface="+mn-ea"/>
-                <a:cs typeface="+mn-cs"/>
-              </a:defRPr>
-            </a:lvl3pPr>
-            <a:lvl4pPr marL="1600200" indent="-228600" algn="l" defTabSz="914400" rtl="0" eaLnBrk="1" latinLnBrk="1" hangingPunct="1">
-              <a:lnSpc>
-                <a:spcPct val="90000"/>
-              </a:lnSpc>
-              <a:spcBef>
-                <a:spcPts val="500"/>
-              </a:spcBef>
-              <a:buFont typeface="Arial" panose="020B0604020202020204" pitchFamily="34" charset="0"/>
-              <a:buChar char="•"/>
-              <a:defRPr sz="1800" kern="1200">
-                <a:solidFill>
-                  <a:schemeClr val="tx1"/>
-                </a:solidFill>
-                <a:latin typeface="+mn-lt"/>
-                <a:ea typeface="+mn-ea"/>
-                <a:cs typeface="+mn-cs"/>
-              </a:defRPr>
-            </a:lvl4pPr>
-            <a:lvl5pPr marL="2057400" indent="-228600" algn="l" defTabSz="914400" rtl="0" eaLnBrk="1" latinLnBrk="1" hangingPunct="1">
-              <a:lnSpc>
-                <a:spcPct val="90000"/>
-              </a:lnSpc>
-              <a:spcBef>
-                <a:spcPts val="500"/>
-              </a:spcBef>
-              <a:buFont typeface="Arial" panose="020B0604020202020204" pitchFamily="34" charset="0"/>
-              <a:buChar char="•"/>
-              <a:defRPr sz="1800" kern="1200">
-                <a:solidFill>
-                  <a:schemeClr val="tx1"/>
-                </a:solidFill>
-                <a:latin typeface="+mn-lt"/>
-                <a:ea typeface="+mn-ea"/>
-                <a:cs typeface="+mn-cs"/>
-              </a:defRPr>
-            </a:lvl5pPr>
-            <a:lvl6pPr marL="2514600" indent="-228600" algn="l" defTabSz="914400" rtl="0" eaLnBrk="1" latinLnBrk="1" hangingPunct="1">
-              <a:lnSpc>
-                <a:spcPct val="90000"/>
-              </a:lnSpc>
-              <a:spcBef>
-                <a:spcPts val="500"/>
-              </a:spcBef>
-              <a:buFont typeface="Arial" panose="020B0604020202020204" pitchFamily="34" charset="0"/>
-              <a:buChar char="•"/>
-              <a:defRPr sz="1800" kern="1200">
-                <a:solidFill>
-                  <a:schemeClr val="tx1"/>
-                </a:solidFill>
-                <a:latin typeface="+mn-lt"/>
-                <a:ea typeface="+mn-ea"/>
-                <a:cs typeface="+mn-cs"/>
-              </a:defRPr>
-            </a:lvl6pPr>
-            <a:lvl7pPr marL="2971800" indent="-228600" algn="l" defTabSz="914400" rtl="0" eaLnBrk="1" latinLnBrk="1" hangingPunct="1">
-              <a:lnSpc>
-                <a:spcPct val="90000"/>
-              </a:lnSpc>
-              <a:spcBef>
-                <a:spcPts val="500"/>
-              </a:spcBef>
-              <a:buFont typeface="Arial" panose="020B0604020202020204" pitchFamily="34" charset="0"/>
-              <a:buChar char="•"/>
-              <a:defRPr sz="1800" kern="1200">
-                <a:solidFill>
-                  <a:schemeClr val="tx1"/>
-                </a:solidFill>
-                <a:latin typeface="+mn-lt"/>
-                <a:ea typeface="+mn-ea"/>
-                <a:cs typeface="+mn-cs"/>
-              </a:defRPr>
-            </a:lvl7pPr>
-            <a:lvl8pPr marL="3429000" indent="-228600" algn="l" defTabSz="914400" rtl="0" eaLnBrk="1" latinLnBrk="1" hangingPunct="1">
-              <a:lnSpc>
-                <a:spcPct val="90000"/>
-              </a:lnSpc>
-              <a:spcBef>
-                <a:spcPts val="500"/>
-              </a:spcBef>
-              <a:buFont typeface="Arial" panose="020B0604020202020204" pitchFamily="34" charset="0"/>
-              <a:buChar char="•"/>
-              <a:defRPr sz="1800" kern="1200">
-                <a:solidFill>
-                  <a:schemeClr val="tx1"/>
-                </a:solidFill>
-                <a:latin typeface="+mn-lt"/>
-                <a:ea typeface="+mn-ea"/>
-                <a:cs typeface="+mn-cs"/>
-              </a:defRPr>
-            </a:lvl8pPr>
-            <a:lvl9pPr marL="3886200" indent="-228600" algn="l" defTabSz="914400" rtl="0" eaLnBrk="1" latinLnBrk="1" hangingPunct="1">
-              <a:lnSpc>
-                <a:spcPct val="90000"/>
-              </a:lnSpc>
-              <a:spcBef>
-                <a:spcPts val="500"/>
-              </a:spcBef>
-              <a:buFont typeface="Arial" panose="020B0604020202020204" pitchFamily="34" charset="0"/>
-              <a:buChar char="•"/>
-              <a:defRPr sz="1800" kern="1200">
-                <a:solidFill>
-                  <a:schemeClr val="tx1"/>
-                </a:solidFill>
-                <a:latin typeface="+mn-lt"/>
-                <a:ea typeface="+mn-ea"/>
-                <a:cs typeface="+mn-cs"/>
-              </a:defRPr>
-            </a:lvl9pPr>
-          </a:lstStyle>
-          <a:p>
-            <a:pPr marL="0" indent="0" algn="ctr">
-              <a:buFont typeface="Arial" panose="020B0604020202020204" pitchFamily="34" charset="0"/>
-              <a:buNone/>
-            </a:pPr>
-            <a:r>
-              <a:rPr lang="en-US" altLang="ko-KR" sz="1500" b="1" dirty="0">
-                <a:solidFill>
-                  <a:schemeClr val="bg1"/>
-                </a:solidFill>
-              </a:rPr>
-              <a:t>username</a:t>
-            </a:r>
-            <a:r>
-              <a:rPr lang="ko-KR" altLang="en-US" sz="1500" b="1" dirty="0">
-                <a:solidFill>
-                  <a:schemeClr val="bg1"/>
-                </a:solidFill>
-              </a:rPr>
-              <a:t>과 </a:t>
-            </a:r>
-            <a:r>
-              <a:rPr lang="en-US" altLang="ko-KR" sz="1500" b="1" dirty="0">
-                <a:solidFill>
-                  <a:schemeClr val="bg1"/>
-                </a:solidFill>
-              </a:rPr>
-              <a:t>password </a:t>
-            </a:r>
-            <a:r>
-              <a:rPr lang="ko-KR" altLang="en-US" sz="1500" b="1" dirty="0">
-                <a:solidFill>
-                  <a:schemeClr val="bg1"/>
-                </a:solidFill>
-              </a:rPr>
-              <a:t>설정</a:t>
-            </a:r>
-          </a:p>
-        </p:txBody>
-      </p:sp>
+      </p:pic>
     </p:spTree>
     <p:extLst>
       <p:ext uri="{BB962C8B-B14F-4D97-AF65-F5344CB8AC3E}">
-        <p14:creationId xmlns:p14="http://schemas.microsoft.com/office/powerpoint/2010/main" val="2614488896"/>
+        <p14:creationId xmlns:p14="http://schemas.microsoft.com/office/powerpoint/2010/main" val="3855755464"/>
       </p:ext>
     </p:extLst>
   </p:cSld>
@@ -5362,7 +4496,7 @@
           <p:cNvPr id="2" name="제목 1">
             <a:extLst>
               <a:ext uri="{FF2B5EF4-FFF2-40B4-BE49-F238E27FC236}">
-                <a16:creationId xmlns:a16="http://schemas.microsoft.com/office/drawing/2014/main" id="{5BE5576E-952E-F7F1-2302-54BDD3AAB141}"/>
+                <a16:creationId xmlns:a16="http://schemas.microsoft.com/office/drawing/2014/main" id="{8E9533FB-CDFD-4968-85FA-E302AD210F85}"/>
               </a:ext>
             </a:extLst>
           </p:cNvPr>
@@ -5375,21 +4509,51 @@
         </p:nvSpPr>
         <p:spPr/>
         <p:txBody>
-          <a:bodyPr>
-            <a:normAutofit/>
-          </a:bodyPr>
+          <a:bodyPr/>
           <a:lstStyle/>
           <a:p>
             <a:pPr algn="ctr"/>
             <a:r>
-              <a:rPr lang="en-US" altLang="ko-KR" sz="3500" b="1" dirty="0">
-                <a:solidFill>
-                  <a:schemeClr val="bg1"/>
-                </a:solidFill>
-              </a:rPr>
-              <a:t>AAA(Authentication Authorization Accounting)</a:t>
-            </a:r>
-            <a:endParaRPr lang="ko-KR" altLang="en-US" sz="3500" b="1" dirty="0">
+              <a:rPr lang="en-US" altLang="ko-KR" b="1" dirty="0">
+                <a:solidFill>
+                  <a:schemeClr val="bg1"/>
+                </a:solidFill>
+              </a:rPr>
+              <a:t>WLAN</a:t>
+            </a:r>
+            <a:r>
+              <a:rPr lang="ko-KR" altLang="en-US" b="1" dirty="0">
+                <a:solidFill>
+                  <a:schemeClr val="bg1"/>
+                </a:solidFill>
+              </a:rPr>
+              <a:t> 보안 설정</a:t>
+            </a:r>
+            <a:r>
+              <a:rPr lang="en-US" altLang="ko-KR" b="1" dirty="0">
+                <a:solidFill>
+                  <a:schemeClr val="bg1"/>
+                </a:solidFill>
+              </a:rPr>
+              <a:t>(AAA</a:t>
+            </a:r>
+            <a:r>
+              <a:rPr lang="ko-KR" altLang="en-US" b="1" dirty="0">
+                <a:solidFill>
+                  <a:schemeClr val="bg1"/>
+                </a:solidFill>
+              </a:rPr>
+              <a:t> 설정</a:t>
+            </a:r>
+            <a:r>
+              <a:rPr lang="en-US" altLang="ko-KR" b="1" dirty="0">
+                <a:solidFill>
+                  <a:schemeClr val="bg1"/>
+                </a:solidFill>
+              </a:rPr>
+              <a:t>)</a:t>
+            </a:r>
+            <a:endParaRPr lang="ko-KR" altLang="en-US" b="1" dirty="0">
               <a:solidFill>
                 <a:schemeClr val="bg1"/>
               </a:solidFill>
@@ -5397,62 +4561,12 @@
           </a:p>
         </p:txBody>
       </p:sp>
-      <p:sp>
-        <p:nvSpPr>
-          <p:cNvPr id="3" name="내용 개체 틀 2">
-            <a:extLst>
-              <a:ext uri="{FF2B5EF4-FFF2-40B4-BE49-F238E27FC236}">
-                <a16:creationId xmlns:a16="http://schemas.microsoft.com/office/drawing/2014/main" id="{768FC02E-6B91-D0CD-832A-CDD9503CD5B6}"/>
-              </a:ext>
-            </a:extLst>
-          </p:cNvPr>
-          <p:cNvSpPr>
-            <a:spLocks noGrp="1"/>
-          </p:cNvSpPr>
-          <p:nvPr>
-            <p:ph idx="1"/>
-          </p:nvPr>
-        </p:nvSpPr>
-        <p:spPr>
-          <a:xfrm>
-            <a:off x="838200" y="1825625"/>
-            <a:ext cx="10515600" cy="479830"/>
-          </a:xfrm>
-        </p:spPr>
-        <p:txBody>
-          <a:bodyPr>
-            <a:normAutofit/>
-          </a:bodyPr>
-          <a:lstStyle/>
-          <a:p>
-            <a:pPr marL="0" indent="0" algn="ctr">
-              <a:buNone/>
-            </a:pPr>
-            <a:r>
-              <a:rPr lang="en-US" altLang="ko-KR" sz="2500" b="1" dirty="0">
-                <a:solidFill>
-                  <a:schemeClr val="bg1"/>
-                </a:solidFill>
-              </a:rPr>
-              <a:t>AAA</a:t>
-            </a:r>
-            <a:r>
-              <a:rPr lang="ko-KR" altLang="en-US" sz="2500" b="1" dirty="0">
-                <a:solidFill>
-                  <a:schemeClr val="bg1"/>
-                </a:solidFill>
-              </a:rPr>
-              <a:t> 명령어</a:t>
-            </a:r>
-          </a:p>
-        </p:txBody>
-      </p:sp>
       <p:pic>
         <p:nvPicPr>
-          <p:cNvPr id="5" name="그림 4">
-            <a:extLst>
-              <a:ext uri="{FF2B5EF4-FFF2-40B4-BE49-F238E27FC236}">
-                <a16:creationId xmlns:a16="http://schemas.microsoft.com/office/drawing/2014/main" id="{C91CA7D2-FCD1-3BA4-6A36-F4EDF5DEB031}"/>
+          <p:cNvPr id="7" name="그림 6">
+            <a:extLst>
+              <a:ext uri="{FF2B5EF4-FFF2-40B4-BE49-F238E27FC236}">
+                <a16:creationId xmlns:a16="http://schemas.microsoft.com/office/drawing/2014/main" id="{55495EBD-13B6-A420-2774-03C48E30FBE1}"/>
               </a:ext>
             </a:extLst>
           </p:cNvPr>
@@ -5469,18 +4583,1337 @@
         </p:blipFill>
         <p:spPr>
           <a:xfrm>
-            <a:off x="1118179" y="2590800"/>
-            <a:ext cx="9955641" cy="3362069"/>
+            <a:off x="3205400" y="1690688"/>
+            <a:ext cx="5781200" cy="4755855"/>
           </a:xfrm>
           <a:prstGeom prst="rect">
             <a:avLst/>
           </a:prstGeom>
         </p:spPr>
       </p:pic>
+      <p:sp>
+        <p:nvSpPr>
+          <p:cNvPr id="10" name="직사각형 9">
+            <a:extLst>
+              <a:ext uri="{FF2B5EF4-FFF2-40B4-BE49-F238E27FC236}">
+                <a16:creationId xmlns:a16="http://schemas.microsoft.com/office/drawing/2014/main" id="{B80BA2F5-D571-8A12-F47F-E2383CCE075C}"/>
+              </a:ext>
+            </a:extLst>
+          </p:cNvPr>
+          <p:cNvSpPr/>
+          <p:nvPr/>
+        </p:nvSpPr>
+        <p:spPr>
+          <a:xfrm>
+            <a:off x="3279912" y="2077278"/>
+            <a:ext cx="2226366" cy="417444"/>
+          </a:xfrm>
+          <a:prstGeom prst="rect">
+            <a:avLst/>
+          </a:prstGeom>
+          <a:noFill/>
+          <a:ln w="57150">
+            <a:solidFill>
+              <a:srgbClr val="FF0000"/>
+            </a:solidFill>
+          </a:ln>
+        </p:spPr>
+        <p:style>
+          <a:lnRef idx="2">
+            <a:schemeClr val="accent1">
+              <a:shade val="15000"/>
+            </a:schemeClr>
+          </a:lnRef>
+          <a:fillRef idx="1">
+            <a:schemeClr val="accent1"/>
+          </a:fillRef>
+          <a:effectRef idx="0">
+            <a:schemeClr val="accent1"/>
+          </a:effectRef>
+          <a:fontRef idx="minor">
+            <a:schemeClr val="lt1"/>
+          </a:fontRef>
+        </p:style>
+        <p:txBody>
+          <a:bodyPr rtlCol="0" anchor="ctr"/>
+          <a:lstStyle/>
+          <a:p>
+            <a:pPr algn="ctr"/>
+            <a:endParaRPr lang="ko-KR" altLang="en-US"/>
+          </a:p>
+        </p:txBody>
+      </p:sp>
+      <p:sp>
+        <p:nvSpPr>
+          <p:cNvPr id="11" name="직사각형 10">
+            <a:extLst>
+              <a:ext uri="{FF2B5EF4-FFF2-40B4-BE49-F238E27FC236}">
+                <a16:creationId xmlns:a16="http://schemas.microsoft.com/office/drawing/2014/main" id="{294F1F7A-A9CF-347C-ECD8-D89521A61530}"/>
+              </a:ext>
+            </a:extLst>
+          </p:cNvPr>
+          <p:cNvSpPr/>
+          <p:nvPr/>
+        </p:nvSpPr>
+        <p:spPr>
+          <a:xfrm>
+            <a:off x="3279912" y="2494722"/>
+            <a:ext cx="5456584" cy="934278"/>
+          </a:xfrm>
+          <a:prstGeom prst="rect">
+            <a:avLst/>
+          </a:prstGeom>
+          <a:noFill/>
+          <a:ln w="57150">
+            <a:solidFill>
+              <a:srgbClr val="FF0000"/>
+            </a:solidFill>
+          </a:ln>
+        </p:spPr>
+        <p:style>
+          <a:lnRef idx="2">
+            <a:schemeClr val="accent1">
+              <a:shade val="15000"/>
+            </a:schemeClr>
+          </a:lnRef>
+          <a:fillRef idx="1">
+            <a:schemeClr val="accent1"/>
+          </a:fillRef>
+          <a:effectRef idx="0">
+            <a:schemeClr val="accent1"/>
+          </a:effectRef>
+          <a:fontRef idx="minor">
+            <a:schemeClr val="lt1"/>
+          </a:fontRef>
+        </p:style>
+        <p:txBody>
+          <a:bodyPr rtlCol="0" anchor="ctr"/>
+          <a:lstStyle/>
+          <a:p>
+            <a:pPr algn="ctr"/>
+            <a:endParaRPr lang="ko-KR" altLang="en-US"/>
+          </a:p>
+        </p:txBody>
+      </p:sp>
+      <p:sp>
+        <p:nvSpPr>
+          <p:cNvPr id="12" name="직사각형 11">
+            <a:extLst>
+              <a:ext uri="{FF2B5EF4-FFF2-40B4-BE49-F238E27FC236}">
+                <a16:creationId xmlns:a16="http://schemas.microsoft.com/office/drawing/2014/main" id="{69765784-7340-CDF1-18D6-21E2D4070BAA}"/>
+              </a:ext>
+            </a:extLst>
+          </p:cNvPr>
+          <p:cNvSpPr/>
+          <p:nvPr/>
+        </p:nvSpPr>
+        <p:spPr>
+          <a:xfrm>
+            <a:off x="7800529" y="3429000"/>
+            <a:ext cx="935967" cy="556591"/>
+          </a:xfrm>
+          <a:prstGeom prst="rect">
+            <a:avLst/>
+          </a:prstGeom>
+          <a:noFill/>
+          <a:ln w="57150">
+            <a:solidFill>
+              <a:srgbClr val="FF0000"/>
+            </a:solidFill>
+          </a:ln>
+        </p:spPr>
+        <p:style>
+          <a:lnRef idx="2">
+            <a:schemeClr val="accent1">
+              <a:shade val="15000"/>
+            </a:schemeClr>
+          </a:lnRef>
+          <a:fillRef idx="1">
+            <a:schemeClr val="accent1"/>
+          </a:fillRef>
+          <a:effectRef idx="0">
+            <a:schemeClr val="accent1"/>
+          </a:effectRef>
+          <a:fontRef idx="minor">
+            <a:schemeClr val="lt1"/>
+          </a:fontRef>
+        </p:style>
+        <p:txBody>
+          <a:bodyPr rtlCol="0" anchor="ctr"/>
+          <a:lstStyle/>
+          <a:p>
+            <a:pPr algn="ctr"/>
+            <a:endParaRPr lang="ko-KR" altLang="en-US"/>
+          </a:p>
+        </p:txBody>
+      </p:sp>
+      <p:sp>
+        <p:nvSpPr>
+          <p:cNvPr id="13" name="직사각형 12">
+            <a:extLst>
+              <a:ext uri="{FF2B5EF4-FFF2-40B4-BE49-F238E27FC236}">
+                <a16:creationId xmlns:a16="http://schemas.microsoft.com/office/drawing/2014/main" id="{E24CBE68-F148-CD5B-B410-8ACD995A75F4}"/>
+              </a:ext>
+            </a:extLst>
+          </p:cNvPr>
+          <p:cNvSpPr/>
+          <p:nvPr/>
+        </p:nvSpPr>
+        <p:spPr>
+          <a:xfrm>
+            <a:off x="3351111" y="5489713"/>
+            <a:ext cx="5385385" cy="334617"/>
+          </a:xfrm>
+          <a:prstGeom prst="rect">
+            <a:avLst/>
+          </a:prstGeom>
+          <a:noFill/>
+          <a:ln w="57150">
+            <a:solidFill>
+              <a:srgbClr val="FF0000"/>
+            </a:solidFill>
+          </a:ln>
+        </p:spPr>
+        <p:style>
+          <a:lnRef idx="2">
+            <a:schemeClr val="accent1">
+              <a:shade val="15000"/>
+            </a:schemeClr>
+          </a:lnRef>
+          <a:fillRef idx="1">
+            <a:schemeClr val="accent1"/>
+          </a:fillRef>
+          <a:effectRef idx="0">
+            <a:schemeClr val="accent1"/>
+          </a:effectRef>
+          <a:fontRef idx="minor">
+            <a:schemeClr val="lt1"/>
+          </a:fontRef>
+        </p:style>
+        <p:txBody>
+          <a:bodyPr rtlCol="0" anchor="ctr"/>
+          <a:lstStyle/>
+          <a:p>
+            <a:pPr algn="ctr"/>
+            <a:endParaRPr lang="ko-KR" altLang="en-US"/>
+          </a:p>
+        </p:txBody>
+      </p:sp>
+      <p:sp>
+        <p:nvSpPr>
+          <p:cNvPr id="14" name="직사각형 13">
+            <a:extLst>
+              <a:ext uri="{FF2B5EF4-FFF2-40B4-BE49-F238E27FC236}">
+                <a16:creationId xmlns:a16="http://schemas.microsoft.com/office/drawing/2014/main" id="{A3DBD06A-ECA0-EF15-1B84-FFE686EF9560}"/>
+              </a:ext>
+            </a:extLst>
+          </p:cNvPr>
+          <p:cNvSpPr/>
+          <p:nvPr/>
+        </p:nvSpPr>
+        <p:spPr>
+          <a:xfrm>
+            <a:off x="7800529" y="6024768"/>
+            <a:ext cx="935967" cy="334617"/>
+          </a:xfrm>
+          <a:prstGeom prst="rect">
+            <a:avLst/>
+          </a:prstGeom>
+          <a:noFill/>
+          <a:ln w="57150">
+            <a:solidFill>
+              <a:srgbClr val="FF0000"/>
+            </a:solidFill>
+          </a:ln>
+        </p:spPr>
+        <p:style>
+          <a:lnRef idx="2">
+            <a:schemeClr val="accent1">
+              <a:shade val="15000"/>
+            </a:schemeClr>
+          </a:lnRef>
+          <a:fillRef idx="1">
+            <a:schemeClr val="accent1"/>
+          </a:fillRef>
+          <a:effectRef idx="0">
+            <a:schemeClr val="accent1"/>
+          </a:effectRef>
+          <a:fontRef idx="minor">
+            <a:schemeClr val="lt1"/>
+          </a:fontRef>
+        </p:style>
+        <p:txBody>
+          <a:bodyPr rtlCol="0" anchor="ctr"/>
+          <a:lstStyle/>
+          <a:p>
+            <a:pPr algn="ctr"/>
+            <a:endParaRPr lang="ko-KR" altLang="en-US"/>
+          </a:p>
+        </p:txBody>
+      </p:sp>
+      <p:sp>
+        <p:nvSpPr>
+          <p:cNvPr id="15" name="내용 개체 틀 2">
+            <a:extLst>
+              <a:ext uri="{FF2B5EF4-FFF2-40B4-BE49-F238E27FC236}">
+                <a16:creationId xmlns:a16="http://schemas.microsoft.com/office/drawing/2014/main" id="{4A286864-2E2D-8D83-8670-610142F7B820}"/>
+              </a:ext>
+            </a:extLst>
+          </p:cNvPr>
+          <p:cNvSpPr>
+            <a:spLocks noGrp="1"/>
+          </p:cNvSpPr>
+          <p:nvPr>
+            <p:ph idx="1"/>
+          </p:nvPr>
+        </p:nvSpPr>
+        <p:spPr>
+          <a:xfrm>
+            <a:off x="247634" y="2077278"/>
+            <a:ext cx="2995022" cy="516835"/>
+          </a:xfrm>
+        </p:spPr>
+        <p:txBody>
+          <a:bodyPr>
+            <a:normAutofit/>
+          </a:bodyPr>
+          <a:lstStyle/>
+          <a:p>
+            <a:pPr marL="0" indent="0">
+              <a:buNone/>
+            </a:pPr>
+            <a:r>
+              <a:rPr lang="en-US" altLang="ko-KR" sz="2000" b="1" dirty="0">
+                <a:solidFill>
+                  <a:schemeClr val="bg1"/>
+                </a:solidFill>
+              </a:rPr>
+              <a:t>AAA</a:t>
+            </a:r>
+            <a:r>
+              <a:rPr lang="ko-KR" altLang="en-US" sz="2000" b="1" dirty="0">
+                <a:solidFill>
+                  <a:schemeClr val="bg1"/>
+                </a:solidFill>
+              </a:rPr>
+              <a:t> </a:t>
+            </a:r>
+            <a:r>
+              <a:rPr lang="en-US" altLang="ko-KR" sz="2000" b="1" dirty="0">
+                <a:solidFill>
+                  <a:schemeClr val="bg1"/>
+                </a:solidFill>
+              </a:rPr>
+              <a:t>service</a:t>
+            </a:r>
+            <a:r>
+              <a:rPr lang="ko-KR" altLang="en-US" sz="2000" b="1" dirty="0">
+                <a:solidFill>
+                  <a:schemeClr val="bg1"/>
+                </a:solidFill>
+              </a:rPr>
+              <a:t>를 </a:t>
+            </a:r>
+            <a:r>
+              <a:rPr lang="en-US" altLang="ko-KR" sz="2000" b="1" dirty="0">
+                <a:solidFill>
+                  <a:schemeClr val="bg1"/>
+                </a:solidFill>
+              </a:rPr>
+              <a:t>ON</a:t>
+            </a:r>
+            <a:r>
+              <a:rPr lang="ko-KR" altLang="en-US" sz="2000" b="1" dirty="0">
+                <a:solidFill>
+                  <a:schemeClr val="bg1"/>
+                </a:solidFill>
+              </a:rPr>
+              <a:t>한다</a:t>
+            </a:r>
+            <a:r>
+              <a:rPr lang="en-US" altLang="ko-KR" sz="2000" b="1" dirty="0">
+                <a:solidFill>
+                  <a:schemeClr val="bg1"/>
+                </a:solidFill>
+              </a:rPr>
+              <a:t>.</a:t>
+            </a:r>
+            <a:endParaRPr lang="ko-KR" altLang="en-US" sz="2000" b="1" dirty="0">
+              <a:solidFill>
+                <a:schemeClr val="bg1"/>
+              </a:solidFill>
+            </a:endParaRPr>
+          </a:p>
+        </p:txBody>
+      </p:sp>
+      <p:sp>
+        <p:nvSpPr>
+          <p:cNvPr id="16" name="내용 개체 틀 2">
+            <a:extLst>
+              <a:ext uri="{FF2B5EF4-FFF2-40B4-BE49-F238E27FC236}">
+                <a16:creationId xmlns:a16="http://schemas.microsoft.com/office/drawing/2014/main" id="{070F72BE-FC37-5147-3B07-309E295F95EF}"/>
+              </a:ext>
+            </a:extLst>
+          </p:cNvPr>
+          <p:cNvSpPr txBox="1">
+            <a:spLocks/>
+          </p:cNvSpPr>
+          <p:nvPr/>
+        </p:nvSpPr>
+        <p:spPr>
+          <a:xfrm>
+            <a:off x="8979974" y="2645984"/>
+            <a:ext cx="3897014" cy="655982"/>
+          </a:xfrm>
+          <a:prstGeom prst="rect">
+            <a:avLst/>
+          </a:prstGeom>
+        </p:spPr>
+        <p:txBody>
+          <a:bodyPr vert="horz" lIns="91440" tIns="45720" rIns="91440" bIns="45720" rtlCol="0">
+            <a:normAutofit/>
+          </a:bodyPr>
+          <a:lstStyle>
+            <a:lvl1pPr marL="228600" indent="-228600" algn="l" defTabSz="914400" rtl="0" eaLnBrk="1" latinLnBrk="1" hangingPunct="1">
+              <a:lnSpc>
+                <a:spcPct val="90000"/>
+              </a:lnSpc>
+              <a:spcBef>
+                <a:spcPts val="1000"/>
+              </a:spcBef>
+              <a:buFont typeface="Arial" panose="020B0604020202020204" pitchFamily="34" charset="0"/>
+              <a:buChar char="•"/>
+              <a:defRPr sz="2800" kern="1200">
+                <a:solidFill>
+                  <a:schemeClr val="tx1"/>
+                </a:solidFill>
+                <a:latin typeface="+mn-lt"/>
+                <a:ea typeface="+mn-ea"/>
+                <a:cs typeface="+mn-cs"/>
+              </a:defRPr>
+            </a:lvl1pPr>
+            <a:lvl2pPr marL="685800" indent="-228600" algn="l" defTabSz="914400" rtl="0" eaLnBrk="1" latinLnBrk="1" hangingPunct="1">
+              <a:lnSpc>
+                <a:spcPct val="90000"/>
+              </a:lnSpc>
+              <a:spcBef>
+                <a:spcPts val="500"/>
+              </a:spcBef>
+              <a:buFont typeface="Arial" panose="020B0604020202020204" pitchFamily="34" charset="0"/>
+              <a:buChar char="•"/>
+              <a:defRPr sz="2400" kern="1200">
+                <a:solidFill>
+                  <a:schemeClr val="tx1"/>
+                </a:solidFill>
+                <a:latin typeface="+mn-lt"/>
+                <a:ea typeface="+mn-ea"/>
+                <a:cs typeface="+mn-cs"/>
+              </a:defRPr>
+            </a:lvl2pPr>
+            <a:lvl3pPr marL="1143000" indent="-228600" algn="l" defTabSz="914400" rtl="0" eaLnBrk="1" latinLnBrk="1" hangingPunct="1">
+              <a:lnSpc>
+                <a:spcPct val="90000"/>
+              </a:lnSpc>
+              <a:spcBef>
+                <a:spcPts val="500"/>
+              </a:spcBef>
+              <a:buFont typeface="Arial" panose="020B0604020202020204" pitchFamily="34" charset="0"/>
+              <a:buChar char="•"/>
+              <a:defRPr sz="2000" kern="1200">
+                <a:solidFill>
+                  <a:schemeClr val="tx1"/>
+                </a:solidFill>
+                <a:latin typeface="+mn-lt"/>
+                <a:ea typeface="+mn-ea"/>
+                <a:cs typeface="+mn-cs"/>
+              </a:defRPr>
+            </a:lvl3pPr>
+            <a:lvl4pPr marL="1600200" indent="-228600" algn="l" defTabSz="914400" rtl="0" eaLnBrk="1" latinLnBrk="1" hangingPunct="1">
+              <a:lnSpc>
+                <a:spcPct val="90000"/>
+              </a:lnSpc>
+              <a:spcBef>
+                <a:spcPts val="500"/>
+              </a:spcBef>
+              <a:buFont typeface="Arial" panose="020B0604020202020204" pitchFamily="34" charset="0"/>
+              <a:buChar char="•"/>
+              <a:defRPr sz="1800" kern="1200">
+                <a:solidFill>
+                  <a:schemeClr val="tx1"/>
+                </a:solidFill>
+                <a:latin typeface="+mn-lt"/>
+                <a:ea typeface="+mn-ea"/>
+                <a:cs typeface="+mn-cs"/>
+              </a:defRPr>
+            </a:lvl4pPr>
+            <a:lvl5pPr marL="2057400" indent="-228600" algn="l" defTabSz="914400" rtl="0" eaLnBrk="1" latinLnBrk="1" hangingPunct="1">
+              <a:lnSpc>
+                <a:spcPct val="90000"/>
+              </a:lnSpc>
+              <a:spcBef>
+                <a:spcPts val="500"/>
+              </a:spcBef>
+              <a:buFont typeface="Arial" panose="020B0604020202020204" pitchFamily="34" charset="0"/>
+              <a:buChar char="•"/>
+              <a:defRPr sz="1800" kern="1200">
+                <a:solidFill>
+                  <a:schemeClr val="tx1"/>
+                </a:solidFill>
+                <a:latin typeface="+mn-lt"/>
+                <a:ea typeface="+mn-ea"/>
+                <a:cs typeface="+mn-cs"/>
+              </a:defRPr>
+            </a:lvl5pPr>
+            <a:lvl6pPr marL="2514600" indent="-228600" algn="l" defTabSz="914400" rtl="0" eaLnBrk="1" latinLnBrk="1" hangingPunct="1">
+              <a:lnSpc>
+                <a:spcPct val="90000"/>
+              </a:lnSpc>
+              <a:spcBef>
+                <a:spcPts val="500"/>
+              </a:spcBef>
+              <a:buFont typeface="Arial" panose="020B0604020202020204" pitchFamily="34" charset="0"/>
+              <a:buChar char="•"/>
+              <a:defRPr sz="1800" kern="1200">
+                <a:solidFill>
+                  <a:schemeClr val="tx1"/>
+                </a:solidFill>
+                <a:latin typeface="+mn-lt"/>
+                <a:ea typeface="+mn-ea"/>
+                <a:cs typeface="+mn-cs"/>
+              </a:defRPr>
+            </a:lvl6pPr>
+            <a:lvl7pPr marL="2971800" indent="-228600" algn="l" defTabSz="914400" rtl="0" eaLnBrk="1" latinLnBrk="1" hangingPunct="1">
+              <a:lnSpc>
+                <a:spcPct val="90000"/>
+              </a:lnSpc>
+              <a:spcBef>
+                <a:spcPts val="500"/>
+              </a:spcBef>
+              <a:buFont typeface="Arial" panose="020B0604020202020204" pitchFamily="34" charset="0"/>
+              <a:buChar char="•"/>
+              <a:defRPr sz="1800" kern="1200">
+                <a:solidFill>
+                  <a:schemeClr val="tx1"/>
+                </a:solidFill>
+                <a:latin typeface="+mn-lt"/>
+                <a:ea typeface="+mn-ea"/>
+                <a:cs typeface="+mn-cs"/>
+              </a:defRPr>
+            </a:lvl7pPr>
+            <a:lvl8pPr marL="3429000" indent="-228600" algn="l" defTabSz="914400" rtl="0" eaLnBrk="1" latinLnBrk="1" hangingPunct="1">
+              <a:lnSpc>
+                <a:spcPct val="90000"/>
+              </a:lnSpc>
+              <a:spcBef>
+                <a:spcPts val="500"/>
+              </a:spcBef>
+              <a:buFont typeface="Arial" panose="020B0604020202020204" pitchFamily="34" charset="0"/>
+              <a:buChar char="•"/>
+              <a:defRPr sz="1800" kern="1200">
+                <a:solidFill>
+                  <a:schemeClr val="tx1"/>
+                </a:solidFill>
+                <a:latin typeface="+mn-lt"/>
+                <a:ea typeface="+mn-ea"/>
+                <a:cs typeface="+mn-cs"/>
+              </a:defRPr>
+            </a:lvl8pPr>
+            <a:lvl9pPr marL="3886200" indent="-228600" algn="l" defTabSz="914400" rtl="0" eaLnBrk="1" latinLnBrk="1" hangingPunct="1">
+              <a:lnSpc>
+                <a:spcPct val="90000"/>
+              </a:lnSpc>
+              <a:spcBef>
+                <a:spcPts val="500"/>
+              </a:spcBef>
+              <a:buFont typeface="Arial" panose="020B0604020202020204" pitchFamily="34" charset="0"/>
+              <a:buChar char="•"/>
+              <a:defRPr sz="1800" kern="1200">
+                <a:solidFill>
+                  <a:schemeClr val="tx1"/>
+                </a:solidFill>
+                <a:latin typeface="+mn-lt"/>
+                <a:ea typeface="+mn-ea"/>
+                <a:cs typeface="+mn-cs"/>
+              </a:defRPr>
+            </a:lvl9pPr>
+          </a:lstStyle>
+          <a:p>
+            <a:pPr marL="0" indent="0">
+              <a:buFont typeface="Arial" panose="020B0604020202020204" pitchFamily="34" charset="0"/>
+              <a:buNone/>
+            </a:pPr>
+            <a:r>
+              <a:rPr lang="en-US" altLang="ko-KR" sz="1500" b="1" dirty="0">
+                <a:solidFill>
+                  <a:schemeClr val="bg1"/>
+                </a:solidFill>
+              </a:rPr>
+              <a:t>AAA</a:t>
+            </a:r>
+            <a:r>
+              <a:rPr lang="ko-KR" altLang="en-US" sz="1500" b="1" dirty="0">
+                <a:solidFill>
+                  <a:schemeClr val="bg1"/>
+                </a:solidFill>
+              </a:rPr>
+              <a:t>를 적용 할 </a:t>
+            </a:r>
+            <a:r>
+              <a:rPr lang="en-US" altLang="ko-KR" sz="1500" b="1" dirty="0">
+                <a:solidFill>
+                  <a:schemeClr val="bg1"/>
+                </a:solidFill>
+              </a:rPr>
+              <a:t>client name</a:t>
+            </a:r>
+          </a:p>
+          <a:p>
+            <a:pPr marL="0" indent="0">
+              <a:buFont typeface="Arial" panose="020B0604020202020204" pitchFamily="34" charset="0"/>
+              <a:buNone/>
+            </a:pPr>
+            <a:r>
+              <a:rPr lang="en-US" altLang="ko-KR" sz="1500" b="1" dirty="0">
+                <a:solidFill>
+                  <a:schemeClr val="bg1"/>
+                </a:solidFill>
+              </a:rPr>
+              <a:t>Ip , secret key</a:t>
+            </a:r>
+            <a:r>
+              <a:rPr lang="ko-KR" altLang="en-US" sz="1500" b="1" dirty="0">
+                <a:solidFill>
+                  <a:schemeClr val="bg1"/>
+                </a:solidFill>
+              </a:rPr>
+              <a:t>와 종류를 지정한다</a:t>
+            </a:r>
+            <a:r>
+              <a:rPr lang="en-US" altLang="ko-KR" sz="1500" b="1" dirty="0">
+                <a:solidFill>
+                  <a:schemeClr val="bg1"/>
+                </a:solidFill>
+              </a:rPr>
+              <a:t>.</a:t>
+            </a:r>
+            <a:endParaRPr lang="ko-KR" altLang="en-US" sz="1500" b="1" dirty="0">
+              <a:solidFill>
+                <a:schemeClr val="bg1"/>
+              </a:solidFill>
+            </a:endParaRPr>
+          </a:p>
+        </p:txBody>
+      </p:sp>
+      <p:sp>
+        <p:nvSpPr>
+          <p:cNvPr id="17" name="내용 개체 틀 2">
+            <a:extLst>
+              <a:ext uri="{FF2B5EF4-FFF2-40B4-BE49-F238E27FC236}">
+                <a16:creationId xmlns:a16="http://schemas.microsoft.com/office/drawing/2014/main" id="{77B96660-230C-3531-4CC6-60F9FA202FD9}"/>
+              </a:ext>
+            </a:extLst>
+          </p:cNvPr>
+          <p:cNvSpPr txBox="1">
+            <a:spLocks/>
+          </p:cNvSpPr>
+          <p:nvPr/>
+        </p:nvSpPr>
+        <p:spPr>
+          <a:xfrm>
+            <a:off x="9132311" y="5489713"/>
+            <a:ext cx="3225278" cy="725559"/>
+          </a:xfrm>
+          <a:prstGeom prst="rect">
+            <a:avLst/>
+          </a:prstGeom>
+        </p:spPr>
+        <p:txBody>
+          <a:bodyPr vert="horz" lIns="91440" tIns="45720" rIns="91440" bIns="45720" rtlCol="0">
+            <a:normAutofit/>
+          </a:bodyPr>
+          <a:lstStyle>
+            <a:lvl1pPr marL="228600" indent="-228600" algn="l" defTabSz="914400" rtl="0" eaLnBrk="1" latinLnBrk="1" hangingPunct="1">
+              <a:lnSpc>
+                <a:spcPct val="90000"/>
+              </a:lnSpc>
+              <a:spcBef>
+                <a:spcPts val="1000"/>
+              </a:spcBef>
+              <a:buFont typeface="Arial" panose="020B0604020202020204" pitchFamily="34" charset="0"/>
+              <a:buChar char="•"/>
+              <a:defRPr sz="2800" kern="1200">
+                <a:solidFill>
+                  <a:schemeClr val="tx1"/>
+                </a:solidFill>
+                <a:latin typeface="+mn-lt"/>
+                <a:ea typeface="+mn-ea"/>
+                <a:cs typeface="+mn-cs"/>
+              </a:defRPr>
+            </a:lvl1pPr>
+            <a:lvl2pPr marL="685800" indent="-228600" algn="l" defTabSz="914400" rtl="0" eaLnBrk="1" latinLnBrk="1" hangingPunct="1">
+              <a:lnSpc>
+                <a:spcPct val="90000"/>
+              </a:lnSpc>
+              <a:spcBef>
+                <a:spcPts val="500"/>
+              </a:spcBef>
+              <a:buFont typeface="Arial" panose="020B0604020202020204" pitchFamily="34" charset="0"/>
+              <a:buChar char="•"/>
+              <a:defRPr sz="2400" kern="1200">
+                <a:solidFill>
+                  <a:schemeClr val="tx1"/>
+                </a:solidFill>
+                <a:latin typeface="+mn-lt"/>
+                <a:ea typeface="+mn-ea"/>
+                <a:cs typeface="+mn-cs"/>
+              </a:defRPr>
+            </a:lvl2pPr>
+            <a:lvl3pPr marL="1143000" indent="-228600" algn="l" defTabSz="914400" rtl="0" eaLnBrk="1" latinLnBrk="1" hangingPunct="1">
+              <a:lnSpc>
+                <a:spcPct val="90000"/>
+              </a:lnSpc>
+              <a:spcBef>
+                <a:spcPts val="500"/>
+              </a:spcBef>
+              <a:buFont typeface="Arial" panose="020B0604020202020204" pitchFamily="34" charset="0"/>
+              <a:buChar char="•"/>
+              <a:defRPr sz="2000" kern="1200">
+                <a:solidFill>
+                  <a:schemeClr val="tx1"/>
+                </a:solidFill>
+                <a:latin typeface="+mn-lt"/>
+                <a:ea typeface="+mn-ea"/>
+                <a:cs typeface="+mn-cs"/>
+              </a:defRPr>
+            </a:lvl3pPr>
+            <a:lvl4pPr marL="1600200" indent="-228600" algn="l" defTabSz="914400" rtl="0" eaLnBrk="1" latinLnBrk="1" hangingPunct="1">
+              <a:lnSpc>
+                <a:spcPct val="90000"/>
+              </a:lnSpc>
+              <a:spcBef>
+                <a:spcPts val="500"/>
+              </a:spcBef>
+              <a:buFont typeface="Arial" panose="020B0604020202020204" pitchFamily="34" charset="0"/>
+              <a:buChar char="•"/>
+              <a:defRPr sz="1800" kern="1200">
+                <a:solidFill>
+                  <a:schemeClr val="tx1"/>
+                </a:solidFill>
+                <a:latin typeface="+mn-lt"/>
+                <a:ea typeface="+mn-ea"/>
+                <a:cs typeface="+mn-cs"/>
+              </a:defRPr>
+            </a:lvl4pPr>
+            <a:lvl5pPr marL="2057400" indent="-228600" algn="l" defTabSz="914400" rtl="0" eaLnBrk="1" latinLnBrk="1" hangingPunct="1">
+              <a:lnSpc>
+                <a:spcPct val="90000"/>
+              </a:lnSpc>
+              <a:spcBef>
+                <a:spcPts val="500"/>
+              </a:spcBef>
+              <a:buFont typeface="Arial" panose="020B0604020202020204" pitchFamily="34" charset="0"/>
+              <a:buChar char="•"/>
+              <a:defRPr sz="1800" kern="1200">
+                <a:solidFill>
+                  <a:schemeClr val="tx1"/>
+                </a:solidFill>
+                <a:latin typeface="+mn-lt"/>
+                <a:ea typeface="+mn-ea"/>
+                <a:cs typeface="+mn-cs"/>
+              </a:defRPr>
+            </a:lvl5pPr>
+            <a:lvl6pPr marL="2514600" indent="-228600" algn="l" defTabSz="914400" rtl="0" eaLnBrk="1" latinLnBrk="1" hangingPunct="1">
+              <a:lnSpc>
+                <a:spcPct val="90000"/>
+              </a:lnSpc>
+              <a:spcBef>
+                <a:spcPts val="500"/>
+              </a:spcBef>
+              <a:buFont typeface="Arial" panose="020B0604020202020204" pitchFamily="34" charset="0"/>
+              <a:buChar char="•"/>
+              <a:defRPr sz="1800" kern="1200">
+                <a:solidFill>
+                  <a:schemeClr val="tx1"/>
+                </a:solidFill>
+                <a:latin typeface="+mn-lt"/>
+                <a:ea typeface="+mn-ea"/>
+                <a:cs typeface="+mn-cs"/>
+              </a:defRPr>
+            </a:lvl6pPr>
+            <a:lvl7pPr marL="2971800" indent="-228600" algn="l" defTabSz="914400" rtl="0" eaLnBrk="1" latinLnBrk="1" hangingPunct="1">
+              <a:lnSpc>
+                <a:spcPct val="90000"/>
+              </a:lnSpc>
+              <a:spcBef>
+                <a:spcPts val="500"/>
+              </a:spcBef>
+              <a:buFont typeface="Arial" panose="020B0604020202020204" pitchFamily="34" charset="0"/>
+              <a:buChar char="•"/>
+              <a:defRPr sz="1800" kern="1200">
+                <a:solidFill>
+                  <a:schemeClr val="tx1"/>
+                </a:solidFill>
+                <a:latin typeface="+mn-lt"/>
+                <a:ea typeface="+mn-ea"/>
+                <a:cs typeface="+mn-cs"/>
+              </a:defRPr>
+            </a:lvl7pPr>
+            <a:lvl8pPr marL="3429000" indent="-228600" algn="l" defTabSz="914400" rtl="0" eaLnBrk="1" latinLnBrk="1" hangingPunct="1">
+              <a:lnSpc>
+                <a:spcPct val="90000"/>
+              </a:lnSpc>
+              <a:spcBef>
+                <a:spcPts val="500"/>
+              </a:spcBef>
+              <a:buFont typeface="Arial" panose="020B0604020202020204" pitchFamily="34" charset="0"/>
+              <a:buChar char="•"/>
+              <a:defRPr sz="1800" kern="1200">
+                <a:solidFill>
+                  <a:schemeClr val="tx1"/>
+                </a:solidFill>
+                <a:latin typeface="+mn-lt"/>
+                <a:ea typeface="+mn-ea"/>
+                <a:cs typeface="+mn-cs"/>
+              </a:defRPr>
+            </a:lvl8pPr>
+            <a:lvl9pPr marL="3886200" indent="-228600" algn="l" defTabSz="914400" rtl="0" eaLnBrk="1" latinLnBrk="1" hangingPunct="1">
+              <a:lnSpc>
+                <a:spcPct val="90000"/>
+              </a:lnSpc>
+              <a:spcBef>
+                <a:spcPts val="500"/>
+              </a:spcBef>
+              <a:buFont typeface="Arial" panose="020B0604020202020204" pitchFamily="34" charset="0"/>
+              <a:buChar char="•"/>
+              <a:defRPr sz="1800" kern="1200">
+                <a:solidFill>
+                  <a:schemeClr val="tx1"/>
+                </a:solidFill>
+                <a:latin typeface="+mn-lt"/>
+                <a:ea typeface="+mn-ea"/>
+                <a:cs typeface="+mn-cs"/>
+              </a:defRPr>
+            </a:lvl9pPr>
+          </a:lstStyle>
+          <a:p>
+            <a:pPr marL="0" indent="0">
+              <a:buFont typeface="Arial" panose="020B0604020202020204" pitchFamily="34" charset="0"/>
+              <a:buNone/>
+            </a:pPr>
+            <a:r>
+              <a:rPr lang="en-US" altLang="ko-KR" sz="1500" b="1" dirty="0" err="1">
+                <a:solidFill>
+                  <a:schemeClr val="bg1"/>
+                </a:solidFill>
+              </a:rPr>
+              <a:t>aaa</a:t>
+            </a:r>
+            <a:r>
+              <a:rPr lang="ko-KR" altLang="en-US" sz="1500" b="1" dirty="0">
+                <a:solidFill>
+                  <a:schemeClr val="bg1"/>
+                </a:solidFill>
+              </a:rPr>
+              <a:t>를 인증하는 사용자 이름 </a:t>
+            </a:r>
+            <a:r>
+              <a:rPr lang="en-US" altLang="ko-KR" sz="1500" b="1" dirty="0">
+                <a:solidFill>
+                  <a:schemeClr val="bg1"/>
+                </a:solidFill>
+              </a:rPr>
+              <a:t>, </a:t>
+            </a:r>
+          </a:p>
+          <a:p>
+            <a:pPr marL="0" indent="0">
+              <a:buFont typeface="Arial" panose="020B0604020202020204" pitchFamily="34" charset="0"/>
+              <a:buNone/>
+            </a:pPr>
+            <a:r>
+              <a:rPr lang="ko-KR" altLang="en-US" sz="1500" b="1" dirty="0">
+                <a:solidFill>
+                  <a:schemeClr val="bg1"/>
+                </a:solidFill>
+              </a:rPr>
+              <a:t>비번을 생성한다</a:t>
+            </a:r>
+            <a:r>
+              <a:rPr lang="en-US" altLang="ko-KR" sz="1500" b="1" dirty="0">
+                <a:solidFill>
+                  <a:schemeClr val="bg1"/>
+                </a:solidFill>
+              </a:rPr>
+              <a:t>.</a:t>
+            </a:r>
+            <a:endParaRPr lang="ko-KR" altLang="en-US" sz="1500" b="1" dirty="0">
+              <a:solidFill>
+                <a:schemeClr val="bg1"/>
+              </a:solidFill>
+            </a:endParaRPr>
+          </a:p>
+        </p:txBody>
+      </p:sp>
+      <p:sp>
+        <p:nvSpPr>
+          <p:cNvPr id="18" name="내용 개체 틀 2">
+            <a:extLst>
+              <a:ext uri="{FF2B5EF4-FFF2-40B4-BE49-F238E27FC236}">
+                <a16:creationId xmlns:a16="http://schemas.microsoft.com/office/drawing/2014/main" id="{E97DD4D2-3D41-1843-30DF-BAE4807C1001}"/>
+              </a:ext>
+            </a:extLst>
+          </p:cNvPr>
+          <p:cNvSpPr txBox="1">
+            <a:spLocks/>
+          </p:cNvSpPr>
+          <p:nvPr/>
+        </p:nvSpPr>
+        <p:spPr>
+          <a:xfrm>
+            <a:off x="8979974" y="3563800"/>
+            <a:ext cx="2135287" cy="358637"/>
+          </a:xfrm>
+          <a:prstGeom prst="rect">
+            <a:avLst/>
+          </a:prstGeom>
+        </p:spPr>
+        <p:txBody>
+          <a:bodyPr vert="horz" lIns="91440" tIns="45720" rIns="91440" bIns="45720" rtlCol="0">
+            <a:normAutofit/>
+          </a:bodyPr>
+          <a:lstStyle>
+            <a:lvl1pPr marL="228600" indent="-228600" algn="l" defTabSz="914400" rtl="0" eaLnBrk="1" latinLnBrk="1" hangingPunct="1">
+              <a:lnSpc>
+                <a:spcPct val="90000"/>
+              </a:lnSpc>
+              <a:spcBef>
+                <a:spcPts val="1000"/>
+              </a:spcBef>
+              <a:buFont typeface="Arial" panose="020B0604020202020204" pitchFamily="34" charset="0"/>
+              <a:buChar char="•"/>
+              <a:defRPr sz="2800" kern="1200">
+                <a:solidFill>
+                  <a:schemeClr val="tx1"/>
+                </a:solidFill>
+                <a:latin typeface="+mn-lt"/>
+                <a:ea typeface="+mn-ea"/>
+                <a:cs typeface="+mn-cs"/>
+              </a:defRPr>
+            </a:lvl1pPr>
+            <a:lvl2pPr marL="685800" indent="-228600" algn="l" defTabSz="914400" rtl="0" eaLnBrk="1" latinLnBrk="1" hangingPunct="1">
+              <a:lnSpc>
+                <a:spcPct val="90000"/>
+              </a:lnSpc>
+              <a:spcBef>
+                <a:spcPts val="500"/>
+              </a:spcBef>
+              <a:buFont typeface="Arial" panose="020B0604020202020204" pitchFamily="34" charset="0"/>
+              <a:buChar char="•"/>
+              <a:defRPr sz="2400" kern="1200">
+                <a:solidFill>
+                  <a:schemeClr val="tx1"/>
+                </a:solidFill>
+                <a:latin typeface="+mn-lt"/>
+                <a:ea typeface="+mn-ea"/>
+                <a:cs typeface="+mn-cs"/>
+              </a:defRPr>
+            </a:lvl2pPr>
+            <a:lvl3pPr marL="1143000" indent="-228600" algn="l" defTabSz="914400" rtl="0" eaLnBrk="1" latinLnBrk="1" hangingPunct="1">
+              <a:lnSpc>
+                <a:spcPct val="90000"/>
+              </a:lnSpc>
+              <a:spcBef>
+                <a:spcPts val="500"/>
+              </a:spcBef>
+              <a:buFont typeface="Arial" panose="020B0604020202020204" pitchFamily="34" charset="0"/>
+              <a:buChar char="•"/>
+              <a:defRPr sz="2000" kern="1200">
+                <a:solidFill>
+                  <a:schemeClr val="tx1"/>
+                </a:solidFill>
+                <a:latin typeface="+mn-lt"/>
+                <a:ea typeface="+mn-ea"/>
+                <a:cs typeface="+mn-cs"/>
+              </a:defRPr>
+            </a:lvl3pPr>
+            <a:lvl4pPr marL="1600200" indent="-228600" algn="l" defTabSz="914400" rtl="0" eaLnBrk="1" latinLnBrk="1" hangingPunct="1">
+              <a:lnSpc>
+                <a:spcPct val="90000"/>
+              </a:lnSpc>
+              <a:spcBef>
+                <a:spcPts val="500"/>
+              </a:spcBef>
+              <a:buFont typeface="Arial" panose="020B0604020202020204" pitchFamily="34" charset="0"/>
+              <a:buChar char="•"/>
+              <a:defRPr sz="1800" kern="1200">
+                <a:solidFill>
+                  <a:schemeClr val="tx1"/>
+                </a:solidFill>
+                <a:latin typeface="+mn-lt"/>
+                <a:ea typeface="+mn-ea"/>
+                <a:cs typeface="+mn-cs"/>
+              </a:defRPr>
+            </a:lvl4pPr>
+            <a:lvl5pPr marL="2057400" indent="-228600" algn="l" defTabSz="914400" rtl="0" eaLnBrk="1" latinLnBrk="1" hangingPunct="1">
+              <a:lnSpc>
+                <a:spcPct val="90000"/>
+              </a:lnSpc>
+              <a:spcBef>
+                <a:spcPts val="500"/>
+              </a:spcBef>
+              <a:buFont typeface="Arial" panose="020B0604020202020204" pitchFamily="34" charset="0"/>
+              <a:buChar char="•"/>
+              <a:defRPr sz="1800" kern="1200">
+                <a:solidFill>
+                  <a:schemeClr val="tx1"/>
+                </a:solidFill>
+                <a:latin typeface="+mn-lt"/>
+                <a:ea typeface="+mn-ea"/>
+                <a:cs typeface="+mn-cs"/>
+              </a:defRPr>
+            </a:lvl5pPr>
+            <a:lvl6pPr marL="2514600" indent="-228600" algn="l" defTabSz="914400" rtl="0" eaLnBrk="1" latinLnBrk="1" hangingPunct="1">
+              <a:lnSpc>
+                <a:spcPct val="90000"/>
+              </a:lnSpc>
+              <a:spcBef>
+                <a:spcPts val="500"/>
+              </a:spcBef>
+              <a:buFont typeface="Arial" panose="020B0604020202020204" pitchFamily="34" charset="0"/>
+              <a:buChar char="•"/>
+              <a:defRPr sz="1800" kern="1200">
+                <a:solidFill>
+                  <a:schemeClr val="tx1"/>
+                </a:solidFill>
+                <a:latin typeface="+mn-lt"/>
+                <a:ea typeface="+mn-ea"/>
+                <a:cs typeface="+mn-cs"/>
+              </a:defRPr>
+            </a:lvl6pPr>
+            <a:lvl7pPr marL="2971800" indent="-228600" algn="l" defTabSz="914400" rtl="0" eaLnBrk="1" latinLnBrk="1" hangingPunct="1">
+              <a:lnSpc>
+                <a:spcPct val="90000"/>
+              </a:lnSpc>
+              <a:spcBef>
+                <a:spcPts val="500"/>
+              </a:spcBef>
+              <a:buFont typeface="Arial" panose="020B0604020202020204" pitchFamily="34" charset="0"/>
+              <a:buChar char="•"/>
+              <a:defRPr sz="1800" kern="1200">
+                <a:solidFill>
+                  <a:schemeClr val="tx1"/>
+                </a:solidFill>
+                <a:latin typeface="+mn-lt"/>
+                <a:ea typeface="+mn-ea"/>
+                <a:cs typeface="+mn-cs"/>
+              </a:defRPr>
+            </a:lvl7pPr>
+            <a:lvl8pPr marL="3429000" indent="-228600" algn="l" defTabSz="914400" rtl="0" eaLnBrk="1" latinLnBrk="1" hangingPunct="1">
+              <a:lnSpc>
+                <a:spcPct val="90000"/>
+              </a:lnSpc>
+              <a:spcBef>
+                <a:spcPts val="500"/>
+              </a:spcBef>
+              <a:buFont typeface="Arial" panose="020B0604020202020204" pitchFamily="34" charset="0"/>
+              <a:buChar char="•"/>
+              <a:defRPr sz="1800" kern="1200">
+                <a:solidFill>
+                  <a:schemeClr val="tx1"/>
+                </a:solidFill>
+                <a:latin typeface="+mn-lt"/>
+                <a:ea typeface="+mn-ea"/>
+                <a:cs typeface="+mn-cs"/>
+              </a:defRPr>
+            </a:lvl8pPr>
+            <a:lvl9pPr marL="3886200" indent="-228600" algn="l" defTabSz="914400" rtl="0" eaLnBrk="1" latinLnBrk="1" hangingPunct="1">
+              <a:lnSpc>
+                <a:spcPct val="90000"/>
+              </a:lnSpc>
+              <a:spcBef>
+                <a:spcPts val="500"/>
+              </a:spcBef>
+              <a:buFont typeface="Arial" panose="020B0604020202020204" pitchFamily="34" charset="0"/>
+              <a:buChar char="•"/>
+              <a:defRPr sz="1800" kern="1200">
+                <a:solidFill>
+                  <a:schemeClr val="tx1"/>
+                </a:solidFill>
+                <a:latin typeface="+mn-lt"/>
+                <a:ea typeface="+mn-ea"/>
+                <a:cs typeface="+mn-cs"/>
+              </a:defRPr>
+            </a:lvl9pPr>
+          </a:lstStyle>
+          <a:p>
+            <a:pPr marL="0" indent="0">
+              <a:buFont typeface="Arial" panose="020B0604020202020204" pitchFamily="34" charset="0"/>
+              <a:buNone/>
+            </a:pPr>
+            <a:r>
+              <a:rPr lang="en-US" altLang="ko-KR" sz="1500" b="1" dirty="0">
+                <a:solidFill>
+                  <a:schemeClr val="bg1"/>
+                </a:solidFill>
+              </a:rPr>
+              <a:t>Add</a:t>
+            </a:r>
+            <a:r>
+              <a:rPr lang="ko-KR" altLang="en-US" sz="1500" b="1" dirty="0">
+                <a:solidFill>
+                  <a:schemeClr val="bg1"/>
+                </a:solidFill>
+              </a:rPr>
+              <a:t>를 눌러 추가한다</a:t>
+            </a:r>
+            <a:r>
+              <a:rPr lang="en-US" altLang="ko-KR" sz="1500" b="1" dirty="0">
+                <a:solidFill>
+                  <a:schemeClr val="bg1"/>
+                </a:solidFill>
+              </a:rPr>
+              <a:t>.</a:t>
+            </a:r>
+            <a:endParaRPr lang="ko-KR" altLang="en-US" sz="1500" b="1" dirty="0">
+              <a:solidFill>
+                <a:schemeClr val="bg1"/>
+              </a:solidFill>
+            </a:endParaRPr>
+          </a:p>
+        </p:txBody>
+      </p:sp>
+      <p:sp>
+        <p:nvSpPr>
+          <p:cNvPr id="19" name="내용 개체 틀 2">
+            <a:extLst>
+              <a:ext uri="{FF2B5EF4-FFF2-40B4-BE49-F238E27FC236}">
+                <a16:creationId xmlns:a16="http://schemas.microsoft.com/office/drawing/2014/main" id="{B8362F05-E9C9-2EC0-4337-51506085E660}"/>
+              </a:ext>
+            </a:extLst>
+          </p:cNvPr>
+          <p:cNvSpPr txBox="1">
+            <a:spLocks/>
+          </p:cNvSpPr>
+          <p:nvPr/>
+        </p:nvSpPr>
+        <p:spPr>
+          <a:xfrm>
+            <a:off x="7728863" y="6467662"/>
+            <a:ext cx="2135287" cy="358637"/>
+          </a:xfrm>
+          <a:prstGeom prst="rect">
+            <a:avLst/>
+          </a:prstGeom>
+        </p:spPr>
+        <p:txBody>
+          <a:bodyPr vert="horz" lIns="91440" tIns="45720" rIns="91440" bIns="45720" rtlCol="0">
+            <a:normAutofit/>
+          </a:bodyPr>
+          <a:lstStyle>
+            <a:lvl1pPr marL="228600" indent="-228600" algn="l" defTabSz="914400" rtl="0" eaLnBrk="1" latinLnBrk="1" hangingPunct="1">
+              <a:lnSpc>
+                <a:spcPct val="90000"/>
+              </a:lnSpc>
+              <a:spcBef>
+                <a:spcPts val="1000"/>
+              </a:spcBef>
+              <a:buFont typeface="Arial" panose="020B0604020202020204" pitchFamily="34" charset="0"/>
+              <a:buChar char="•"/>
+              <a:defRPr sz="2800" kern="1200">
+                <a:solidFill>
+                  <a:schemeClr val="tx1"/>
+                </a:solidFill>
+                <a:latin typeface="+mn-lt"/>
+                <a:ea typeface="+mn-ea"/>
+                <a:cs typeface="+mn-cs"/>
+              </a:defRPr>
+            </a:lvl1pPr>
+            <a:lvl2pPr marL="685800" indent="-228600" algn="l" defTabSz="914400" rtl="0" eaLnBrk="1" latinLnBrk="1" hangingPunct="1">
+              <a:lnSpc>
+                <a:spcPct val="90000"/>
+              </a:lnSpc>
+              <a:spcBef>
+                <a:spcPts val="500"/>
+              </a:spcBef>
+              <a:buFont typeface="Arial" panose="020B0604020202020204" pitchFamily="34" charset="0"/>
+              <a:buChar char="•"/>
+              <a:defRPr sz="2400" kern="1200">
+                <a:solidFill>
+                  <a:schemeClr val="tx1"/>
+                </a:solidFill>
+                <a:latin typeface="+mn-lt"/>
+                <a:ea typeface="+mn-ea"/>
+                <a:cs typeface="+mn-cs"/>
+              </a:defRPr>
+            </a:lvl2pPr>
+            <a:lvl3pPr marL="1143000" indent="-228600" algn="l" defTabSz="914400" rtl="0" eaLnBrk="1" latinLnBrk="1" hangingPunct="1">
+              <a:lnSpc>
+                <a:spcPct val="90000"/>
+              </a:lnSpc>
+              <a:spcBef>
+                <a:spcPts val="500"/>
+              </a:spcBef>
+              <a:buFont typeface="Arial" panose="020B0604020202020204" pitchFamily="34" charset="0"/>
+              <a:buChar char="•"/>
+              <a:defRPr sz="2000" kern="1200">
+                <a:solidFill>
+                  <a:schemeClr val="tx1"/>
+                </a:solidFill>
+                <a:latin typeface="+mn-lt"/>
+                <a:ea typeface="+mn-ea"/>
+                <a:cs typeface="+mn-cs"/>
+              </a:defRPr>
+            </a:lvl3pPr>
+            <a:lvl4pPr marL="1600200" indent="-228600" algn="l" defTabSz="914400" rtl="0" eaLnBrk="1" latinLnBrk="1" hangingPunct="1">
+              <a:lnSpc>
+                <a:spcPct val="90000"/>
+              </a:lnSpc>
+              <a:spcBef>
+                <a:spcPts val="500"/>
+              </a:spcBef>
+              <a:buFont typeface="Arial" panose="020B0604020202020204" pitchFamily="34" charset="0"/>
+              <a:buChar char="•"/>
+              <a:defRPr sz="1800" kern="1200">
+                <a:solidFill>
+                  <a:schemeClr val="tx1"/>
+                </a:solidFill>
+                <a:latin typeface="+mn-lt"/>
+                <a:ea typeface="+mn-ea"/>
+                <a:cs typeface="+mn-cs"/>
+              </a:defRPr>
+            </a:lvl4pPr>
+            <a:lvl5pPr marL="2057400" indent="-228600" algn="l" defTabSz="914400" rtl="0" eaLnBrk="1" latinLnBrk="1" hangingPunct="1">
+              <a:lnSpc>
+                <a:spcPct val="90000"/>
+              </a:lnSpc>
+              <a:spcBef>
+                <a:spcPts val="500"/>
+              </a:spcBef>
+              <a:buFont typeface="Arial" panose="020B0604020202020204" pitchFamily="34" charset="0"/>
+              <a:buChar char="•"/>
+              <a:defRPr sz="1800" kern="1200">
+                <a:solidFill>
+                  <a:schemeClr val="tx1"/>
+                </a:solidFill>
+                <a:latin typeface="+mn-lt"/>
+                <a:ea typeface="+mn-ea"/>
+                <a:cs typeface="+mn-cs"/>
+              </a:defRPr>
+            </a:lvl5pPr>
+            <a:lvl6pPr marL="2514600" indent="-228600" algn="l" defTabSz="914400" rtl="0" eaLnBrk="1" latinLnBrk="1" hangingPunct="1">
+              <a:lnSpc>
+                <a:spcPct val="90000"/>
+              </a:lnSpc>
+              <a:spcBef>
+                <a:spcPts val="500"/>
+              </a:spcBef>
+              <a:buFont typeface="Arial" panose="020B0604020202020204" pitchFamily="34" charset="0"/>
+              <a:buChar char="•"/>
+              <a:defRPr sz="1800" kern="1200">
+                <a:solidFill>
+                  <a:schemeClr val="tx1"/>
+                </a:solidFill>
+                <a:latin typeface="+mn-lt"/>
+                <a:ea typeface="+mn-ea"/>
+                <a:cs typeface="+mn-cs"/>
+              </a:defRPr>
+            </a:lvl6pPr>
+            <a:lvl7pPr marL="2971800" indent="-228600" algn="l" defTabSz="914400" rtl="0" eaLnBrk="1" latinLnBrk="1" hangingPunct="1">
+              <a:lnSpc>
+                <a:spcPct val="90000"/>
+              </a:lnSpc>
+              <a:spcBef>
+                <a:spcPts val="500"/>
+              </a:spcBef>
+              <a:buFont typeface="Arial" panose="020B0604020202020204" pitchFamily="34" charset="0"/>
+              <a:buChar char="•"/>
+              <a:defRPr sz="1800" kern="1200">
+                <a:solidFill>
+                  <a:schemeClr val="tx1"/>
+                </a:solidFill>
+                <a:latin typeface="+mn-lt"/>
+                <a:ea typeface="+mn-ea"/>
+                <a:cs typeface="+mn-cs"/>
+              </a:defRPr>
+            </a:lvl7pPr>
+            <a:lvl8pPr marL="3429000" indent="-228600" algn="l" defTabSz="914400" rtl="0" eaLnBrk="1" latinLnBrk="1" hangingPunct="1">
+              <a:lnSpc>
+                <a:spcPct val="90000"/>
+              </a:lnSpc>
+              <a:spcBef>
+                <a:spcPts val="500"/>
+              </a:spcBef>
+              <a:buFont typeface="Arial" panose="020B0604020202020204" pitchFamily="34" charset="0"/>
+              <a:buChar char="•"/>
+              <a:defRPr sz="1800" kern="1200">
+                <a:solidFill>
+                  <a:schemeClr val="tx1"/>
+                </a:solidFill>
+                <a:latin typeface="+mn-lt"/>
+                <a:ea typeface="+mn-ea"/>
+                <a:cs typeface="+mn-cs"/>
+              </a:defRPr>
+            </a:lvl8pPr>
+            <a:lvl9pPr marL="3886200" indent="-228600" algn="l" defTabSz="914400" rtl="0" eaLnBrk="1" latinLnBrk="1" hangingPunct="1">
+              <a:lnSpc>
+                <a:spcPct val="90000"/>
+              </a:lnSpc>
+              <a:spcBef>
+                <a:spcPts val="500"/>
+              </a:spcBef>
+              <a:buFont typeface="Arial" panose="020B0604020202020204" pitchFamily="34" charset="0"/>
+              <a:buChar char="•"/>
+              <a:defRPr sz="1800" kern="1200">
+                <a:solidFill>
+                  <a:schemeClr val="tx1"/>
+                </a:solidFill>
+                <a:latin typeface="+mn-lt"/>
+                <a:ea typeface="+mn-ea"/>
+                <a:cs typeface="+mn-cs"/>
+              </a:defRPr>
+            </a:lvl9pPr>
+          </a:lstStyle>
+          <a:p>
+            <a:pPr marL="0" indent="0">
+              <a:buFont typeface="Arial" panose="020B0604020202020204" pitchFamily="34" charset="0"/>
+              <a:buNone/>
+            </a:pPr>
+            <a:r>
+              <a:rPr lang="en-US" altLang="ko-KR" sz="1500" b="1" dirty="0">
+                <a:solidFill>
+                  <a:schemeClr val="bg1"/>
+                </a:solidFill>
+              </a:rPr>
+              <a:t>Add</a:t>
+            </a:r>
+            <a:r>
+              <a:rPr lang="ko-KR" altLang="en-US" sz="1500" b="1" dirty="0">
+                <a:solidFill>
+                  <a:schemeClr val="bg1"/>
+                </a:solidFill>
+              </a:rPr>
+              <a:t>를 눌러 추가한다</a:t>
+            </a:r>
+            <a:r>
+              <a:rPr lang="en-US" altLang="ko-KR" sz="1500" b="1" dirty="0">
+                <a:solidFill>
+                  <a:schemeClr val="bg1"/>
+                </a:solidFill>
+              </a:rPr>
+              <a:t>.</a:t>
+            </a:r>
+            <a:endParaRPr lang="ko-KR" altLang="en-US" sz="1500" b="1" dirty="0">
+              <a:solidFill>
+                <a:schemeClr val="bg1"/>
+              </a:solidFill>
+            </a:endParaRPr>
+          </a:p>
+        </p:txBody>
+      </p:sp>
     </p:spTree>
     <p:extLst>
       <p:ext uri="{BB962C8B-B14F-4D97-AF65-F5344CB8AC3E}">
-        <p14:creationId xmlns:p14="http://schemas.microsoft.com/office/powerpoint/2010/main" val="2936099017"/>
+        <p14:creationId xmlns:p14="http://schemas.microsoft.com/office/powerpoint/2010/main" val="3244867551"/>
       </p:ext>
     </p:extLst>
   </p:cSld>
@@ -5520,6 +5953,1828 @@
           <p:cNvPr id="2" name="제목 1">
             <a:extLst>
               <a:ext uri="{FF2B5EF4-FFF2-40B4-BE49-F238E27FC236}">
+                <a16:creationId xmlns:a16="http://schemas.microsoft.com/office/drawing/2014/main" id="{8E9533FB-CDFD-4968-85FA-E302AD210F85}"/>
+              </a:ext>
+            </a:extLst>
+          </p:cNvPr>
+          <p:cNvSpPr>
+            <a:spLocks noGrp="1"/>
+          </p:cNvSpPr>
+          <p:nvPr>
+            <p:ph type="title"/>
+          </p:nvPr>
+        </p:nvSpPr>
+        <p:spPr/>
+        <p:txBody>
+          <a:bodyPr/>
+          <a:lstStyle/>
+          <a:p>
+            <a:pPr algn="ctr"/>
+            <a:r>
+              <a:rPr lang="en-US" altLang="ko-KR" b="1" dirty="0">
+                <a:solidFill>
+                  <a:schemeClr val="bg1"/>
+                </a:solidFill>
+              </a:rPr>
+              <a:t>AAA </a:t>
+            </a:r>
+            <a:r>
+              <a:rPr lang="ko-KR" altLang="en-US" b="1" dirty="0">
+                <a:solidFill>
+                  <a:schemeClr val="bg1"/>
+                </a:solidFill>
+              </a:rPr>
+              <a:t>서버 설정</a:t>
+            </a:r>
+          </a:p>
+        </p:txBody>
+      </p:sp>
+      <p:sp>
+        <p:nvSpPr>
+          <p:cNvPr id="3" name="내용 개체 틀 2">
+            <a:extLst>
+              <a:ext uri="{FF2B5EF4-FFF2-40B4-BE49-F238E27FC236}">
+                <a16:creationId xmlns:a16="http://schemas.microsoft.com/office/drawing/2014/main" id="{1AA67F33-CA8F-62BB-0B94-4B795844B3F8}"/>
+              </a:ext>
+            </a:extLst>
+          </p:cNvPr>
+          <p:cNvSpPr>
+            <a:spLocks noGrp="1"/>
+          </p:cNvSpPr>
+          <p:nvPr>
+            <p:ph idx="1"/>
+          </p:nvPr>
+        </p:nvSpPr>
+        <p:spPr/>
+        <p:txBody>
+          <a:bodyPr>
+            <a:normAutofit/>
+          </a:bodyPr>
+          <a:lstStyle/>
+          <a:p>
+            <a:pPr marL="0" indent="0" algn="ctr">
+              <a:buNone/>
+            </a:pPr>
+            <a:r>
+              <a:rPr lang="en-US" altLang="ko-KR" sz="2000" b="1" dirty="0">
+                <a:solidFill>
+                  <a:schemeClr val="bg1"/>
+                </a:solidFill>
+              </a:rPr>
+              <a:t>AAA </a:t>
+            </a:r>
+            <a:r>
+              <a:rPr lang="ko-KR" altLang="en-US" sz="2000" b="1" dirty="0">
+                <a:solidFill>
+                  <a:schemeClr val="bg1"/>
+                </a:solidFill>
+              </a:rPr>
+              <a:t>서버 토폴로지 </a:t>
+            </a:r>
+          </a:p>
+        </p:txBody>
+      </p:sp>
+      <p:pic>
+        <p:nvPicPr>
+          <p:cNvPr id="6" name="그림 5">
+            <a:extLst>
+              <a:ext uri="{FF2B5EF4-FFF2-40B4-BE49-F238E27FC236}">
+                <a16:creationId xmlns:a16="http://schemas.microsoft.com/office/drawing/2014/main" id="{C2C07382-914A-BA77-CA9C-386B4CF83EBE}"/>
+              </a:ext>
+            </a:extLst>
+          </p:cNvPr>
+          <p:cNvPicPr>
+            <a:picLocks noChangeAspect="1"/>
+          </p:cNvPicPr>
+          <p:nvPr/>
+        </p:nvPicPr>
+        <p:blipFill>
+          <a:blip r:embed="rId2"/>
+          <a:stretch>
+            <a:fillRect/>
+          </a:stretch>
+        </p:blipFill>
+        <p:spPr>
+          <a:xfrm>
+            <a:off x="3110979" y="2406571"/>
+            <a:ext cx="5970041" cy="4360674"/>
+          </a:xfrm>
+          <a:prstGeom prst="rect">
+            <a:avLst/>
+          </a:prstGeom>
+        </p:spPr>
+      </p:pic>
+    </p:spTree>
+    <p:extLst>
+      <p:ext uri="{BB962C8B-B14F-4D97-AF65-F5344CB8AC3E}">
+        <p14:creationId xmlns:p14="http://schemas.microsoft.com/office/powerpoint/2010/main" val="2352831770"/>
+      </p:ext>
+    </p:extLst>
+  </p:cSld>
+  <p:clrMapOvr>
+    <a:masterClrMapping/>
+  </p:clrMapOvr>
+</p:sld>
+</file>
+
+<file path=ppt/slides/slide17.xml><?xml version="1.0" encoding="utf-8"?>
+<p:sld xmlns:a="http://schemas.openxmlformats.org/drawingml/2006/main" xmlns:r="http://schemas.openxmlformats.org/officeDocument/2006/relationships" xmlns:p="http://schemas.openxmlformats.org/presentationml/2006/main">
+  <p:cSld>
+    <p:bg>
+      <p:bgPr>
+        <a:solidFill>
+          <a:schemeClr val="tx1"/>
+        </a:solidFill>
+        <a:effectLst/>
+      </p:bgPr>
+    </p:bg>
+    <p:spTree>
+      <p:nvGrpSpPr>
+        <p:cNvPr id="1" name=""/>
+        <p:cNvGrpSpPr/>
+        <p:nvPr/>
+      </p:nvGrpSpPr>
+      <p:grpSpPr>
+        <a:xfrm>
+          <a:off x="0" y="0"/>
+          <a:ext cx="0" cy="0"/>
+          <a:chOff x="0" y="0"/>
+          <a:chExt cx="0" cy="0"/>
+        </a:xfrm>
+      </p:grpSpPr>
+      <p:sp>
+        <p:nvSpPr>
+          <p:cNvPr id="2" name="제목 1">
+            <a:extLst>
+              <a:ext uri="{FF2B5EF4-FFF2-40B4-BE49-F238E27FC236}">
+                <a16:creationId xmlns:a16="http://schemas.microsoft.com/office/drawing/2014/main" id="{8E9533FB-CDFD-4968-85FA-E302AD210F85}"/>
+              </a:ext>
+            </a:extLst>
+          </p:cNvPr>
+          <p:cNvSpPr>
+            <a:spLocks noGrp="1"/>
+          </p:cNvSpPr>
+          <p:nvPr>
+            <p:ph type="title"/>
+          </p:nvPr>
+        </p:nvSpPr>
+        <p:spPr/>
+        <p:txBody>
+          <a:bodyPr/>
+          <a:lstStyle/>
+          <a:p>
+            <a:pPr algn="ctr"/>
+            <a:r>
+              <a:rPr lang="en-US" altLang="ko-KR" b="1" dirty="0">
+                <a:solidFill>
+                  <a:schemeClr val="bg1"/>
+                </a:solidFill>
+              </a:rPr>
+              <a:t>AAA </a:t>
+            </a:r>
+            <a:r>
+              <a:rPr lang="ko-KR" altLang="en-US" b="1" dirty="0">
+                <a:solidFill>
+                  <a:schemeClr val="bg1"/>
+                </a:solidFill>
+              </a:rPr>
+              <a:t>서버 설정</a:t>
+            </a:r>
+          </a:p>
+        </p:txBody>
+      </p:sp>
+      <p:sp>
+        <p:nvSpPr>
+          <p:cNvPr id="3" name="내용 개체 틀 2">
+            <a:extLst>
+              <a:ext uri="{FF2B5EF4-FFF2-40B4-BE49-F238E27FC236}">
+                <a16:creationId xmlns:a16="http://schemas.microsoft.com/office/drawing/2014/main" id="{1AA67F33-CA8F-62BB-0B94-4B795844B3F8}"/>
+              </a:ext>
+            </a:extLst>
+          </p:cNvPr>
+          <p:cNvSpPr>
+            <a:spLocks noGrp="1"/>
+          </p:cNvSpPr>
+          <p:nvPr>
+            <p:ph idx="1"/>
+          </p:nvPr>
+        </p:nvSpPr>
+        <p:spPr/>
+        <p:txBody>
+          <a:bodyPr>
+            <a:normAutofit/>
+          </a:bodyPr>
+          <a:lstStyle/>
+          <a:p>
+            <a:pPr marL="0" indent="0" algn="ctr">
+              <a:buNone/>
+            </a:pPr>
+            <a:r>
+              <a:rPr lang="en-US" altLang="ko-KR" sz="2000" b="1" dirty="0">
+                <a:solidFill>
+                  <a:schemeClr val="bg1"/>
+                </a:solidFill>
+              </a:rPr>
+              <a:t>Radius </a:t>
+            </a:r>
+            <a:r>
+              <a:rPr lang="ko-KR" altLang="en-US" sz="2000" b="1" dirty="0">
+                <a:solidFill>
+                  <a:schemeClr val="bg1"/>
+                </a:solidFill>
+              </a:rPr>
+              <a:t>서버 설정 </a:t>
+            </a:r>
+            <a:r>
+              <a:rPr lang="en-US" altLang="ko-KR" sz="2000" b="1" dirty="0">
+                <a:solidFill>
+                  <a:schemeClr val="bg1"/>
+                </a:solidFill>
+              </a:rPr>
+              <a:t>&amp; </a:t>
+            </a:r>
+            <a:r>
+              <a:rPr lang="en-US" altLang="ko-KR" sz="2000" b="1" dirty="0" err="1">
+                <a:solidFill>
+                  <a:schemeClr val="bg1"/>
+                </a:solidFill>
+              </a:rPr>
+              <a:t>Tacacs</a:t>
+            </a:r>
+            <a:r>
+              <a:rPr lang="en-US" altLang="ko-KR" sz="2000" b="1" dirty="0">
+                <a:solidFill>
+                  <a:schemeClr val="bg1"/>
+                </a:solidFill>
+              </a:rPr>
+              <a:t> </a:t>
+            </a:r>
+            <a:r>
+              <a:rPr lang="ko-KR" altLang="en-US" sz="2000" b="1" dirty="0">
+                <a:solidFill>
+                  <a:schemeClr val="bg1"/>
+                </a:solidFill>
+              </a:rPr>
+              <a:t>서버 설정</a:t>
+            </a:r>
+          </a:p>
+        </p:txBody>
+      </p:sp>
+      <p:pic>
+        <p:nvPicPr>
+          <p:cNvPr id="6" name="그림 5">
+            <a:extLst>
+              <a:ext uri="{FF2B5EF4-FFF2-40B4-BE49-F238E27FC236}">
+                <a16:creationId xmlns:a16="http://schemas.microsoft.com/office/drawing/2014/main" id="{EC8674FC-D0B3-A4A4-2373-29B3B264A7EA}"/>
+              </a:ext>
+            </a:extLst>
+          </p:cNvPr>
+          <p:cNvPicPr>
+            <a:picLocks noChangeAspect="1"/>
+          </p:cNvPicPr>
+          <p:nvPr/>
+        </p:nvPicPr>
+        <p:blipFill>
+          <a:blip r:embed="rId2"/>
+          <a:stretch>
+            <a:fillRect/>
+          </a:stretch>
+        </p:blipFill>
+        <p:spPr>
+          <a:xfrm>
+            <a:off x="667914" y="2257529"/>
+            <a:ext cx="5428086" cy="4352710"/>
+          </a:xfrm>
+          <a:prstGeom prst="rect">
+            <a:avLst/>
+          </a:prstGeom>
+        </p:spPr>
+      </p:pic>
+      <p:pic>
+        <p:nvPicPr>
+          <p:cNvPr id="9" name="그림 8">
+            <a:extLst>
+              <a:ext uri="{FF2B5EF4-FFF2-40B4-BE49-F238E27FC236}">
+                <a16:creationId xmlns:a16="http://schemas.microsoft.com/office/drawing/2014/main" id="{28F858B7-0E33-921E-10D7-C8C40ED2BD2C}"/>
+              </a:ext>
+            </a:extLst>
+          </p:cNvPr>
+          <p:cNvPicPr>
+            <a:picLocks noChangeAspect="1"/>
+          </p:cNvPicPr>
+          <p:nvPr/>
+        </p:nvPicPr>
+        <p:blipFill>
+          <a:blip r:embed="rId3"/>
+          <a:stretch>
+            <a:fillRect/>
+          </a:stretch>
+        </p:blipFill>
+        <p:spPr>
+          <a:xfrm>
+            <a:off x="6522413" y="2257529"/>
+            <a:ext cx="5350917" cy="4307083"/>
+          </a:xfrm>
+          <a:prstGeom prst="rect">
+            <a:avLst/>
+          </a:prstGeom>
+        </p:spPr>
+      </p:pic>
+    </p:spTree>
+    <p:extLst>
+      <p:ext uri="{BB962C8B-B14F-4D97-AF65-F5344CB8AC3E}">
+        <p14:creationId xmlns:p14="http://schemas.microsoft.com/office/powerpoint/2010/main" val="390070622"/>
+      </p:ext>
+    </p:extLst>
+  </p:cSld>
+  <p:clrMapOvr>
+    <a:masterClrMapping/>
+  </p:clrMapOvr>
+</p:sld>
+</file>
+
+<file path=ppt/slides/slide18.xml><?xml version="1.0" encoding="utf-8"?>
+<p:sld xmlns:a="http://schemas.openxmlformats.org/drawingml/2006/main" xmlns:r="http://schemas.openxmlformats.org/officeDocument/2006/relationships" xmlns:p="http://schemas.openxmlformats.org/presentationml/2006/main">
+  <p:cSld>
+    <p:bg>
+      <p:bgPr>
+        <a:solidFill>
+          <a:schemeClr val="tx1"/>
+        </a:solidFill>
+        <a:effectLst/>
+      </p:bgPr>
+    </p:bg>
+    <p:spTree>
+      <p:nvGrpSpPr>
+        <p:cNvPr id="1" name=""/>
+        <p:cNvGrpSpPr/>
+        <p:nvPr/>
+      </p:nvGrpSpPr>
+      <p:grpSpPr>
+        <a:xfrm>
+          <a:off x="0" y="0"/>
+          <a:ext cx="0" cy="0"/>
+          <a:chOff x="0" y="0"/>
+          <a:chExt cx="0" cy="0"/>
+        </a:xfrm>
+      </p:grpSpPr>
+      <p:sp>
+        <p:nvSpPr>
+          <p:cNvPr id="2" name="제목 1">
+            <a:extLst>
+              <a:ext uri="{FF2B5EF4-FFF2-40B4-BE49-F238E27FC236}">
+                <a16:creationId xmlns:a16="http://schemas.microsoft.com/office/drawing/2014/main" id="{8E9533FB-CDFD-4968-85FA-E302AD210F85}"/>
+              </a:ext>
+            </a:extLst>
+          </p:cNvPr>
+          <p:cNvSpPr>
+            <a:spLocks noGrp="1"/>
+          </p:cNvSpPr>
+          <p:nvPr>
+            <p:ph type="title"/>
+          </p:nvPr>
+        </p:nvSpPr>
+        <p:spPr/>
+        <p:txBody>
+          <a:bodyPr/>
+          <a:lstStyle/>
+          <a:p>
+            <a:pPr algn="ctr"/>
+            <a:r>
+              <a:rPr lang="en-US" altLang="ko-KR" b="1" dirty="0">
+                <a:solidFill>
+                  <a:schemeClr val="bg1"/>
+                </a:solidFill>
+              </a:rPr>
+              <a:t>AAA </a:t>
+            </a:r>
+            <a:r>
+              <a:rPr lang="ko-KR" altLang="en-US" b="1" dirty="0">
+                <a:solidFill>
+                  <a:schemeClr val="bg1"/>
+                </a:solidFill>
+              </a:rPr>
+              <a:t>서버 설정</a:t>
+            </a:r>
+          </a:p>
+        </p:txBody>
+      </p:sp>
+      <p:sp>
+        <p:nvSpPr>
+          <p:cNvPr id="3" name="내용 개체 틀 2">
+            <a:extLst>
+              <a:ext uri="{FF2B5EF4-FFF2-40B4-BE49-F238E27FC236}">
+                <a16:creationId xmlns:a16="http://schemas.microsoft.com/office/drawing/2014/main" id="{1AA67F33-CA8F-62BB-0B94-4B795844B3F8}"/>
+              </a:ext>
+            </a:extLst>
+          </p:cNvPr>
+          <p:cNvSpPr>
+            <a:spLocks noGrp="1"/>
+          </p:cNvSpPr>
+          <p:nvPr>
+            <p:ph idx="1"/>
+          </p:nvPr>
+        </p:nvSpPr>
+        <p:spPr>
+          <a:xfrm>
+            <a:off x="838200" y="1552704"/>
+            <a:ext cx="10515600" cy="539888"/>
+          </a:xfrm>
+        </p:spPr>
+        <p:txBody>
+          <a:bodyPr>
+            <a:normAutofit/>
+          </a:bodyPr>
+          <a:lstStyle/>
+          <a:p>
+            <a:pPr marL="0" indent="0" algn="ctr">
+              <a:buNone/>
+            </a:pPr>
+            <a:r>
+              <a:rPr lang="en-US" altLang="ko-KR" sz="2000" b="1" dirty="0">
+                <a:solidFill>
+                  <a:schemeClr val="bg1"/>
+                </a:solidFill>
+              </a:rPr>
+              <a:t>Radius </a:t>
+            </a:r>
+            <a:r>
+              <a:rPr lang="ko-KR" altLang="en-US" sz="2000" b="1" dirty="0">
+                <a:solidFill>
+                  <a:schemeClr val="bg1"/>
+                </a:solidFill>
+              </a:rPr>
+              <a:t>서버 적용 명령어</a:t>
+            </a:r>
+            <a:r>
+              <a:rPr lang="en-US" altLang="ko-KR" sz="2000" b="1" dirty="0">
+                <a:solidFill>
+                  <a:schemeClr val="bg1"/>
+                </a:solidFill>
+              </a:rPr>
+              <a:t>(</a:t>
+            </a:r>
+            <a:r>
+              <a:rPr lang="ko-KR" altLang="en-US" sz="2000" b="1" dirty="0">
+                <a:solidFill>
+                  <a:schemeClr val="bg1"/>
+                </a:solidFill>
+              </a:rPr>
+              <a:t>적용 대상 </a:t>
+            </a:r>
+            <a:r>
+              <a:rPr lang="en-US" altLang="ko-KR" sz="2000" b="1" dirty="0">
+                <a:solidFill>
+                  <a:schemeClr val="bg1"/>
+                </a:solidFill>
+              </a:rPr>
+              <a:t>: Router 0)</a:t>
+            </a:r>
+            <a:endParaRPr lang="ko-KR" altLang="en-US" sz="2000" b="1" dirty="0">
+              <a:solidFill>
+                <a:schemeClr val="bg1"/>
+              </a:solidFill>
+            </a:endParaRPr>
+          </a:p>
+        </p:txBody>
+      </p:sp>
+      <p:sp>
+        <p:nvSpPr>
+          <p:cNvPr id="7" name="내용 개체 틀 2">
+            <a:extLst>
+              <a:ext uri="{FF2B5EF4-FFF2-40B4-BE49-F238E27FC236}">
+                <a16:creationId xmlns:a16="http://schemas.microsoft.com/office/drawing/2014/main" id="{EE1EBC04-888B-CDCD-E6DF-7406F9CE480B}"/>
+              </a:ext>
+            </a:extLst>
+          </p:cNvPr>
+          <p:cNvSpPr txBox="1">
+            <a:spLocks/>
+          </p:cNvSpPr>
+          <p:nvPr/>
+        </p:nvSpPr>
+        <p:spPr>
+          <a:xfrm>
+            <a:off x="-217460" y="5373917"/>
+            <a:ext cx="3182373" cy="479613"/>
+          </a:xfrm>
+          <a:prstGeom prst="rect">
+            <a:avLst/>
+          </a:prstGeom>
+        </p:spPr>
+        <p:txBody>
+          <a:bodyPr vert="horz" lIns="91440" tIns="45720" rIns="91440" bIns="45720" rtlCol="0">
+            <a:noAutofit/>
+          </a:bodyPr>
+          <a:lstStyle>
+            <a:lvl1pPr marL="228600" indent="-228600" algn="l" defTabSz="914400" rtl="0" eaLnBrk="1" latinLnBrk="1" hangingPunct="1">
+              <a:lnSpc>
+                <a:spcPct val="90000"/>
+              </a:lnSpc>
+              <a:spcBef>
+                <a:spcPts val="1000"/>
+              </a:spcBef>
+              <a:buFont typeface="Arial" panose="020B0604020202020204" pitchFamily="34" charset="0"/>
+              <a:buChar char="•"/>
+              <a:defRPr sz="2800" kern="1200">
+                <a:solidFill>
+                  <a:schemeClr val="tx1"/>
+                </a:solidFill>
+                <a:latin typeface="+mn-lt"/>
+                <a:ea typeface="+mn-ea"/>
+                <a:cs typeface="+mn-cs"/>
+              </a:defRPr>
+            </a:lvl1pPr>
+            <a:lvl2pPr marL="685800" indent="-228600" algn="l" defTabSz="914400" rtl="0" eaLnBrk="1" latinLnBrk="1" hangingPunct="1">
+              <a:lnSpc>
+                <a:spcPct val="90000"/>
+              </a:lnSpc>
+              <a:spcBef>
+                <a:spcPts val="500"/>
+              </a:spcBef>
+              <a:buFont typeface="Arial" panose="020B0604020202020204" pitchFamily="34" charset="0"/>
+              <a:buChar char="•"/>
+              <a:defRPr sz="2400" kern="1200">
+                <a:solidFill>
+                  <a:schemeClr val="tx1"/>
+                </a:solidFill>
+                <a:latin typeface="+mn-lt"/>
+                <a:ea typeface="+mn-ea"/>
+                <a:cs typeface="+mn-cs"/>
+              </a:defRPr>
+            </a:lvl2pPr>
+            <a:lvl3pPr marL="1143000" indent="-228600" algn="l" defTabSz="914400" rtl="0" eaLnBrk="1" latinLnBrk="1" hangingPunct="1">
+              <a:lnSpc>
+                <a:spcPct val="90000"/>
+              </a:lnSpc>
+              <a:spcBef>
+                <a:spcPts val="500"/>
+              </a:spcBef>
+              <a:buFont typeface="Arial" panose="020B0604020202020204" pitchFamily="34" charset="0"/>
+              <a:buChar char="•"/>
+              <a:defRPr sz="2000" kern="1200">
+                <a:solidFill>
+                  <a:schemeClr val="tx1"/>
+                </a:solidFill>
+                <a:latin typeface="+mn-lt"/>
+                <a:ea typeface="+mn-ea"/>
+                <a:cs typeface="+mn-cs"/>
+              </a:defRPr>
+            </a:lvl3pPr>
+            <a:lvl4pPr marL="1600200" indent="-228600" algn="l" defTabSz="914400" rtl="0" eaLnBrk="1" latinLnBrk="1" hangingPunct="1">
+              <a:lnSpc>
+                <a:spcPct val="90000"/>
+              </a:lnSpc>
+              <a:spcBef>
+                <a:spcPts val="500"/>
+              </a:spcBef>
+              <a:buFont typeface="Arial" panose="020B0604020202020204" pitchFamily="34" charset="0"/>
+              <a:buChar char="•"/>
+              <a:defRPr sz="1800" kern="1200">
+                <a:solidFill>
+                  <a:schemeClr val="tx1"/>
+                </a:solidFill>
+                <a:latin typeface="+mn-lt"/>
+                <a:ea typeface="+mn-ea"/>
+                <a:cs typeface="+mn-cs"/>
+              </a:defRPr>
+            </a:lvl4pPr>
+            <a:lvl5pPr marL="2057400" indent="-228600" algn="l" defTabSz="914400" rtl="0" eaLnBrk="1" latinLnBrk="1" hangingPunct="1">
+              <a:lnSpc>
+                <a:spcPct val="90000"/>
+              </a:lnSpc>
+              <a:spcBef>
+                <a:spcPts val="500"/>
+              </a:spcBef>
+              <a:buFont typeface="Arial" panose="020B0604020202020204" pitchFamily="34" charset="0"/>
+              <a:buChar char="•"/>
+              <a:defRPr sz="1800" kern="1200">
+                <a:solidFill>
+                  <a:schemeClr val="tx1"/>
+                </a:solidFill>
+                <a:latin typeface="+mn-lt"/>
+                <a:ea typeface="+mn-ea"/>
+                <a:cs typeface="+mn-cs"/>
+              </a:defRPr>
+            </a:lvl5pPr>
+            <a:lvl6pPr marL="2514600" indent="-228600" algn="l" defTabSz="914400" rtl="0" eaLnBrk="1" latinLnBrk="1" hangingPunct="1">
+              <a:lnSpc>
+                <a:spcPct val="90000"/>
+              </a:lnSpc>
+              <a:spcBef>
+                <a:spcPts val="500"/>
+              </a:spcBef>
+              <a:buFont typeface="Arial" panose="020B0604020202020204" pitchFamily="34" charset="0"/>
+              <a:buChar char="•"/>
+              <a:defRPr sz="1800" kern="1200">
+                <a:solidFill>
+                  <a:schemeClr val="tx1"/>
+                </a:solidFill>
+                <a:latin typeface="+mn-lt"/>
+                <a:ea typeface="+mn-ea"/>
+                <a:cs typeface="+mn-cs"/>
+              </a:defRPr>
+            </a:lvl6pPr>
+            <a:lvl7pPr marL="2971800" indent="-228600" algn="l" defTabSz="914400" rtl="0" eaLnBrk="1" latinLnBrk="1" hangingPunct="1">
+              <a:lnSpc>
+                <a:spcPct val="90000"/>
+              </a:lnSpc>
+              <a:spcBef>
+                <a:spcPts val="500"/>
+              </a:spcBef>
+              <a:buFont typeface="Arial" panose="020B0604020202020204" pitchFamily="34" charset="0"/>
+              <a:buChar char="•"/>
+              <a:defRPr sz="1800" kern="1200">
+                <a:solidFill>
+                  <a:schemeClr val="tx1"/>
+                </a:solidFill>
+                <a:latin typeface="+mn-lt"/>
+                <a:ea typeface="+mn-ea"/>
+                <a:cs typeface="+mn-cs"/>
+              </a:defRPr>
+            </a:lvl7pPr>
+            <a:lvl8pPr marL="3429000" indent="-228600" algn="l" defTabSz="914400" rtl="0" eaLnBrk="1" latinLnBrk="1" hangingPunct="1">
+              <a:lnSpc>
+                <a:spcPct val="90000"/>
+              </a:lnSpc>
+              <a:spcBef>
+                <a:spcPts val="500"/>
+              </a:spcBef>
+              <a:buFont typeface="Arial" panose="020B0604020202020204" pitchFamily="34" charset="0"/>
+              <a:buChar char="•"/>
+              <a:defRPr sz="1800" kern="1200">
+                <a:solidFill>
+                  <a:schemeClr val="tx1"/>
+                </a:solidFill>
+                <a:latin typeface="+mn-lt"/>
+                <a:ea typeface="+mn-ea"/>
+                <a:cs typeface="+mn-cs"/>
+              </a:defRPr>
+            </a:lvl8pPr>
+            <a:lvl9pPr marL="3886200" indent="-228600" algn="l" defTabSz="914400" rtl="0" eaLnBrk="1" latinLnBrk="1" hangingPunct="1">
+              <a:lnSpc>
+                <a:spcPct val="90000"/>
+              </a:lnSpc>
+              <a:spcBef>
+                <a:spcPts val="500"/>
+              </a:spcBef>
+              <a:buFont typeface="Arial" panose="020B0604020202020204" pitchFamily="34" charset="0"/>
+              <a:buChar char="•"/>
+              <a:defRPr sz="1800" kern="1200">
+                <a:solidFill>
+                  <a:schemeClr val="tx1"/>
+                </a:solidFill>
+                <a:latin typeface="+mn-lt"/>
+                <a:ea typeface="+mn-ea"/>
+                <a:cs typeface="+mn-cs"/>
+              </a:defRPr>
+            </a:lvl9pPr>
+          </a:lstStyle>
+          <a:p>
+            <a:pPr marL="0" indent="0" algn="ctr">
+              <a:buFont typeface="Arial" panose="020B0604020202020204" pitchFamily="34" charset="0"/>
+              <a:buNone/>
+            </a:pPr>
+            <a:r>
+              <a:rPr lang="ko-KR" altLang="en-US" sz="2000" b="1" dirty="0">
+                <a:solidFill>
+                  <a:schemeClr val="bg1"/>
+                </a:solidFill>
+              </a:rPr>
+              <a:t>실제 적용할 명령어</a:t>
+            </a:r>
+          </a:p>
+        </p:txBody>
+      </p:sp>
+      <p:sp>
+        <p:nvSpPr>
+          <p:cNvPr id="8" name="내용 개체 틀 2">
+            <a:extLst>
+              <a:ext uri="{FF2B5EF4-FFF2-40B4-BE49-F238E27FC236}">
+                <a16:creationId xmlns:a16="http://schemas.microsoft.com/office/drawing/2014/main" id="{4823CA6C-C796-D586-766C-E1B75A5F36D8}"/>
+              </a:ext>
+            </a:extLst>
+          </p:cNvPr>
+          <p:cNvSpPr txBox="1">
+            <a:spLocks/>
+          </p:cNvSpPr>
+          <p:nvPr/>
+        </p:nvSpPr>
+        <p:spPr>
+          <a:xfrm>
+            <a:off x="446073" y="3189193"/>
+            <a:ext cx="1855305" cy="479613"/>
+          </a:xfrm>
+          <a:prstGeom prst="rect">
+            <a:avLst/>
+          </a:prstGeom>
+        </p:spPr>
+        <p:txBody>
+          <a:bodyPr vert="horz" lIns="91440" tIns="45720" rIns="91440" bIns="45720" rtlCol="0">
+            <a:noAutofit/>
+          </a:bodyPr>
+          <a:lstStyle>
+            <a:lvl1pPr marL="228600" indent="-228600" algn="l" defTabSz="914400" rtl="0" eaLnBrk="1" latinLnBrk="1" hangingPunct="1">
+              <a:lnSpc>
+                <a:spcPct val="90000"/>
+              </a:lnSpc>
+              <a:spcBef>
+                <a:spcPts val="1000"/>
+              </a:spcBef>
+              <a:buFont typeface="Arial" panose="020B0604020202020204" pitchFamily="34" charset="0"/>
+              <a:buChar char="•"/>
+              <a:defRPr sz="2800" kern="1200">
+                <a:solidFill>
+                  <a:schemeClr val="tx1"/>
+                </a:solidFill>
+                <a:latin typeface="+mn-lt"/>
+                <a:ea typeface="+mn-ea"/>
+                <a:cs typeface="+mn-cs"/>
+              </a:defRPr>
+            </a:lvl1pPr>
+            <a:lvl2pPr marL="685800" indent="-228600" algn="l" defTabSz="914400" rtl="0" eaLnBrk="1" latinLnBrk="1" hangingPunct="1">
+              <a:lnSpc>
+                <a:spcPct val="90000"/>
+              </a:lnSpc>
+              <a:spcBef>
+                <a:spcPts val="500"/>
+              </a:spcBef>
+              <a:buFont typeface="Arial" panose="020B0604020202020204" pitchFamily="34" charset="0"/>
+              <a:buChar char="•"/>
+              <a:defRPr sz="2400" kern="1200">
+                <a:solidFill>
+                  <a:schemeClr val="tx1"/>
+                </a:solidFill>
+                <a:latin typeface="+mn-lt"/>
+                <a:ea typeface="+mn-ea"/>
+                <a:cs typeface="+mn-cs"/>
+              </a:defRPr>
+            </a:lvl2pPr>
+            <a:lvl3pPr marL="1143000" indent="-228600" algn="l" defTabSz="914400" rtl="0" eaLnBrk="1" latinLnBrk="1" hangingPunct="1">
+              <a:lnSpc>
+                <a:spcPct val="90000"/>
+              </a:lnSpc>
+              <a:spcBef>
+                <a:spcPts val="500"/>
+              </a:spcBef>
+              <a:buFont typeface="Arial" panose="020B0604020202020204" pitchFamily="34" charset="0"/>
+              <a:buChar char="•"/>
+              <a:defRPr sz="2000" kern="1200">
+                <a:solidFill>
+                  <a:schemeClr val="tx1"/>
+                </a:solidFill>
+                <a:latin typeface="+mn-lt"/>
+                <a:ea typeface="+mn-ea"/>
+                <a:cs typeface="+mn-cs"/>
+              </a:defRPr>
+            </a:lvl3pPr>
+            <a:lvl4pPr marL="1600200" indent="-228600" algn="l" defTabSz="914400" rtl="0" eaLnBrk="1" latinLnBrk="1" hangingPunct="1">
+              <a:lnSpc>
+                <a:spcPct val="90000"/>
+              </a:lnSpc>
+              <a:spcBef>
+                <a:spcPts val="500"/>
+              </a:spcBef>
+              <a:buFont typeface="Arial" panose="020B0604020202020204" pitchFamily="34" charset="0"/>
+              <a:buChar char="•"/>
+              <a:defRPr sz="1800" kern="1200">
+                <a:solidFill>
+                  <a:schemeClr val="tx1"/>
+                </a:solidFill>
+                <a:latin typeface="+mn-lt"/>
+                <a:ea typeface="+mn-ea"/>
+                <a:cs typeface="+mn-cs"/>
+              </a:defRPr>
+            </a:lvl4pPr>
+            <a:lvl5pPr marL="2057400" indent="-228600" algn="l" defTabSz="914400" rtl="0" eaLnBrk="1" latinLnBrk="1" hangingPunct="1">
+              <a:lnSpc>
+                <a:spcPct val="90000"/>
+              </a:lnSpc>
+              <a:spcBef>
+                <a:spcPts val="500"/>
+              </a:spcBef>
+              <a:buFont typeface="Arial" panose="020B0604020202020204" pitchFamily="34" charset="0"/>
+              <a:buChar char="•"/>
+              <a:defRPr sz="1800" kern="1200">
+                <a:solidFill>
+                  <a:schemeClr val="tx1"/>
+                </a:solidFill>
+                <a:latin typeface="+mn-lt"/>
+                <a:ea typeface="+mn-ea"/>
+                <a:cs typeface="+mn-cs"/>
+              </a:defRPr>
+            </a:lvl5pPr>
+            <a:lvl6pPr marL="2514600" indent="-228600" algn="l" defTabSz="914400" rtl="0" eaLnBrk="1" latinLnBrk="1" hangingPunct="1">
+              <a:lnSpc>
+                <a:spcPct val="90000"/>
+              </a:lnSpc>
+              <a:spcBef>
+                <a:spcPts val="500"/>
+              </a:spcBef>
+              <a:buFont typeface="Arial" panose="020B0604020202020204" pitchFamily="34" charset="0"/>
+              <a:buChar char="•"/>
+              <a:defRPr sz="1800" kern="1200">
+                <a:solidFill>
+                  <a:schemeClr val="tx1"/>
+                </a:solidFill>
+                <a:latin typeface="+mn-lt"/>
+                <a:ea typeface="+mn-ea"/>
+                <a:cs typeface="+mn-cs"/>
+              </a:defRPr>
+            </a:lvl6pPr>
+            <a:lvl7pPr marL="2971800" indent="-228600" algn="l" defTabSz="914400" rtl="0" eaLnBrk="1" latinLnBrk="1" hangingPunct="1">
+              <a:lnSpc>
+                <a:spcPct val="90000"/>
+              </a:lnSpc>
+              <a:spcBef>
+                <a:spcPts val="500"/>
+              </a:spcBef>
+              <a:buFont typeface="Arial" panose="020B0604020202020204" pitchFamily="34" charset="0"/>
+              <a:buChar char="•"/>
+              <a:defRPr sz="1800" kern="1200">
+                <a:solidFill>
+                  <a:schemeClr val="tx1"/>
+                </a:solidFill>
+                <a:latin typeface="+mn-lt"/>
+                <a:ea typeface="+mn-ea"/>
+                <a:cs typeface="+mn-cs"/>
+              </a:defRPr>
+            </a:lvl7pPr>
+            <a:lvl8pPr marL="3429000" indent="-228600" algn="l" defTabSz="914400" rtl="0" eaLnBrk="1" latinLnBrk="1" hangingPunct="1">
+              <a:lnSpc>
+                <a:spcPct val="90000"/>
+              </a:lnSpc>
+              <a:spcBef>
+                <a:spcPts val="500"/>
+              </a:spcBef>
+              <a:buFont typeface="Arial" panose="020B0604020202020204" pitchFamily="34" charset="0"/>
+              <a:buChar char="•"/>
+              <a:defRPr sz="1800" kern="1200">
+                <a:solidFill>
+                  <a:schemeClr val="tx1"/>
+                </a:solidFill>
+                <a:latin typeface="+mn-lt"/>
+                <a:ea typeface="+mn-ea"/>
+                <a:cs typeface="+mn-cs"/>
+              </a:defRPr>
+            </a:lvl8pPr>
+            <a:lvl9pPr marL="3886200" indent="-228600" algn="l" defTabSz="914400" rtl="0" eaLnBrk="1" latinLnBrk="1" hangingPunct="1">
+              <a:lnSpc>
+                <a:spcPct val="90000"/>
+              </a:lnSpc>
+              <a:spcBef>
+                <a:spcPts val="500"/>
+              </a:spcBef>
+              <a:buFont typeface="Arial" panose="020B0604020202020204" pitchFamily="34" charset="0"/>
+              <a:buChar char="•"/>
+              <a:defRPr sz="1800" kern="1200">
+                <a:solidFill>
+                  <a:schemeClr val="tx1"/>
+                </a:solidFill>
+                <a:latin typeface="+mn-lt"/>
+                <a:ea typeface="+mn-ea"/>
+                <a:cs typeface="+mn-cs"/>
+              </a:defRPr>
+            </a:lvl9pPr>
+          </a:lstStyle>
+          <a:p>
+            <a:pPr marL="0" indent="0" algn="ctr">
+              <a:buFont typeface="Arial" panose="020B0604020202020204" pitchFamily="34" charset="0"/>
+              <a:buNone/>
+            </a:pPr>
+            <a:r>
+              <a:rPr lang="ko-KR" altLang="en-US" sz="2000" b="1" dirty="0">
+                <a:solidFill>
+                  <a:schemeClr val="bg1"/>
+                </a:solidFill>
+              </a:rPr>
+              <a:t>기본 명령어</a:t>
+            </a:r>
+          </a:p>
+        </p:txBody>
+      </p:sp>
+      <p:pic>
+        <p:nvPicPr>
+          <p:cNvPr id="6" name="그림 5">
+            <a:extLst>
+              <a:ext uri="{FF2B5EF4-FFF2-40B4-BE49-F238E27FC236}">
+                <a16:creationId xmlns:a16="http://schemas.microsoft.com/office/drawing/2014/main" id="{834557EF-B520-64DB-9090-6C01A00330CA}"/>
+              </a:ext>
+            </a:extLst>
+          </p:cNvPr>
+          <p:cNvPicPr>
+            <a:picLocks noChangeAspect="1"/>
+          </p:cNvPicPr>
+          <p:nvPr/>
+        </p:nvPicPr>
+        <p:blipFill>
+          <a:blip r:embed="rId2"/>
+          <a:stretch>
+            <a:fillRect/>
+          </a:stretch>
+        </p:blipFill>
+        <p:spPr>
+          <a:xfrm>
+            <a:off x="2700126" y="2241517"/>
+            <a:ext cx="9078238" cy="2174487"/>
+          </a:xfrm>
+          <a:prstGeom prst="rect">
+            <a:avLst/>
+          </a:prstGeom>
+        </p:spPr>
+      </p:pic>
+      <p:pic>
+        <p:nvPicPr>
+          <p:cNvPr id="11" name="그림 10">
+            <a:extLst>
+              <a:ext uri="{FF2B5EF4-FFF2-40B4-BE49-F238E27FC236}">
+                <a16:creationId xmlns:a16="http://schemas.microsoft.com/office/drawing/2014/main" id="{73D9CA39-F302-EE6E-E473-749E246C020C}"/>
+              </a:ext>
+            </a:extLst>
+          </p:cNvPr>
+          <p:cNvPicPr>
+            <a:picLocks noChangeAspect="1"/>
+          </p:cNvPicPr>
+          <p:nvPr/>
+        </p:nvPicPr>
+        <p:blipFill>
+          <a:blip r:embed="rId3"/>
+          <a:stretch>
+            <a:fillRect/>
+          </a:stretch>
+        </p:blipFill>
+        <p:spPr>
+          <a:xfrm>
+            <a:off x="2630903" y="4564929"/>
+            <a:ext cx="6007767" cy="2136734"/>
+          </a:xfrm>
+          <a:prstGeom prst="rect">
+            <a:avLst/>
+          </a:prstGeom>
+        </p:spPr>
+      </p:pic>
+    </p:spTree>
+    <p:extLst>
+      <p:ext uri="{BB962C8B-B14F-4D97-AF65-F5344CB8AC3E}">
+        <p14:creationId xmlns:p14="http://schemas.microsoft.com/office/powerpoint/2010/main" val="3866343821"/>
+      </p:ext>
+    </p:extLst>
+  </p:cSld>
+  <p:clrMapOvr>
+    <a:masterClrMapping/>
+  </p:clrMapOvr>
+</p:sld>
+</file>
+
+<file path=ppt/slides/slide19.xml><?xml version="1.0" encoding="utf-8"?>
+<p:sld xmlns:a="http://schemas.openxmlformats.org/drawingml/2006/main" xmlns:r="http://schemas.openxmlformats.org/officeDocument/2006/relationships" xmlns:p="http://schemas.openxmlformats.org/presentationml/2006/main">
+  <p:cSld>
+    <p:bg>
+      <p:bgPr>
+        <a:solidFill>
+          <a:schemeClr val="tx1"/>
+        </a:solidFill>
+        <a:effectLst/>
+      </p:bgPr>
+    </p:bg>
+    <p:spTree>
+      <p:nvGrpSpPr>
+        <p:cNvPr id="1" name=""/>
+        <p:cNvGrpSpPr/>
+        <p:nvPr/>
+      </p:nvGrpSpPr>
+      <p:grpSpPr>
+        <a:xfrm>
+          <a:off x="0" y="0"/>
+          <a:ext cx="0" cy="0"/>
+          <a:chOff x="0" y="0"/>
+          <a:chExt cx="0" cy="0"/>
+        </a:xfrm>
+      </p:grpSpPr>
+      <p:sp>
+        <p:nvSpPr>
+          <p:cNvPr id="2" name="제목 1">
+            <a:extLst>
+              <a:ext uri="{FF2B5EF4-FFF2-40B4-BE49-F238E27FC236}">
+                <a16:creationId xmlns:a16="http://schemas.microsoft.com/office/drawing/2014/main" id="{8E9533FB-CDFD-4968-85FA-E302AD210F85}"/>
+              </a:ext>
+            </a:extLst>
+          </p:cNvPr>
+          <p:cNvSpPr>
+            <a:spLocks noGrp="1"/>
+          </p:cNvSpPr>
+          <p:nvPr>
+            <p:ph type="title"/>
+          </p:nvPr>
+        </p:nvSpPr>
+        <p:spPr/>
+        <p:txBody>
+          <a:bodyPr/>
+          <a:lstStyle/>
+          <a:p>
+            <a:pPr algn="ctr"/>
+            <a:r>
+              <a:rPr lang="en-US" altLang="ko-KR" b="1" dirty="0">
+                <a:solidFill>
+                  <a:schemeClr val="bg1"/>
+                </a:solidFill>
+              </a:rPr>
+              <a:t>AAA </a:t>
+            </a:r>
+            <a:r>
+              <a:rPr lang="ko-KR" altLang="en-US" b="1" dirty="0">
+                <a:solidFill>
+                  <a:schemeClr val="bg1"/>
+                </a:solidFill>
+              </a:rPr>
+              <a:t>서버 설정</a:t>
+            </a:r>
+          </a:p>
+        </p:txBody>
+      </p:sp>
+      <p:sp>
+        <p:nvSpPr>
+          <p:cNvPr id="3" name="내용 개체 틀 2">
+            <a:extLst>
+              <a:ext uri="{FF2B5EF4-FFF2-40B4-BE49-F238E27FC236}">
+                <a16:creationId xmlns:a16="http://schemas.microsoft.com/office/drawing/2014/main" id="{1AA67F33-CA8F-62BB-0B94-4B795844B3F8}"/>
+              </a:ext>
+            </a:extLst>
+          </p:cNvPr>
+          <p:cNvSpPr>
+            <a:spLocks noGrp="1"/>
+          </p:cNvSpPr>
+          <p:nvPr>
+            <p:ph idx="1"/>
+          </p:nvPr>
+        </p:nvSpPr>
+        <p:spPr>
+          <a:xfrm>
+            <a:off x="838200" y="1552704"/>
+            <a:ext cx="10515600" cy="539888"/>
+          </a:xfrm>
+        </p:spPr>
+        <p:txBody>
+          <a:bodyPr>
+            <a:normAutofit/>
+          </a:bodyPr>
+          <a:lstStyle/>
+          <a:p>
+            <a:pPr marL="0" indent="0" algn="ctr">
+              <a:buNone/>
+            </a:pPr>
+            <a:r>
+              <a:rPr lang="en-US" altLang="ko-KR" sz="2000" b="1" dirty="0" err="1">
+                <a:solidFill>
+                  <a:schemeClr val="bg1"/>
+                </a:solidFill>
+              </a:rPr>
+              <a:t>Tacacs</a:t>
+            </a:r>
+            <a:r>
+              <a:rPr lang="en-US" altLang="ko-KR" sz="2000" b="1" dirty="0">
+                <a:solidFill>
+                  <a:schemeClr val="bg1"/>
+                </a:solidFill>
+              </a:rPr>
+              <a:t> </a:t>
+            </a:r>
+            <a:r>
+              <a:rPr lang="ko-KR" altLang="en-US" sz="2000" b="1" dirty="0">
+                <a:solidFill>
+                  <a:schemeClr val="bg1"/>
+                </a:solidFill>
+              </a:rPr>
+              <a:t>서버 적용 명령어</a:t>
+            </a:r>
+            <a:r>
+              <a:rPr lang="en-US" altLang="ko-KR" sz="2000" b="1" dirty="0">
+                <a:solidFill>
+                  <a:schemeClr val="bg1"/>
+                </a:solidFill>
+              </a:rPr>
+              <a:t>(</a:t>
+            </a:r>
+            <a:r>
+              <a:rPr lang="ko-KR" altLang="en-US" sz="2000" b="1" dirty="0">
+                <a:solidFill>
+                  <a:schemeClr val="bg1"/>
+                </a:solidFill>
+              </a:rPr>
+              <a:t>적용 대상 </a:t>
+            </a:r>
+            <a:r>
+              <a:rPr lang="en-US" altLang="ko-KR" sz="2000" b="1" dirty="0">
+                <a:solidFill>
+                  <a:schemeClr val="bg1"/>
+                </a:solidFill>
+              </a:rPr>
+              <a:t>: Router 1)</a:t>
+            </a:r>
+            <a:endParaRPr lang="ko-KR" altLang="en-US" sz="2000" b="1" dirty="0">
+              <a:solidFill>
+                <a:schemeClr val="bg1"/>
+              </a:solidFill>
+            </a:endParaRPr>
+          </a:p>
+        </p:txBody>
+      </p:sp>
+      <p:sp>
+        <p:nvSpPr>
+          <p:cNvPr id="7" name="내용 개체 틀 2">
+            <a:extLst>
+              <a:ext uri="{FF2B5EF4-FFF2-40B4-BE49-F238E27FC236}">
+                <a16:creationId xmlns:a16="http://schemas.microsoft.com/office/drawing/2014/main" id="{EE1EBC04-888B-CDCD-E6DF-7406F9CE480B}"/>
+              </a:ext>
+            </a:extLst>
+          </p:cNvPr>
+          <p:cNvSpPr txBox="1">
+            <a:spLocks/>
+          </p:cNvSpPr>
+          <p:nvPr/>
+        </p:nvSpPr>
+        <p:spPr>
+          <a:xfrm>
+            <a:off x="-217460" y="5373917"/>
+            <a:ext cx="3182373" cy="479613"/>
+          </a:xfrm>
+          <a:prstGeom prst="rect">
+            <a:avLst/>
+          </a:prstGeom>
+        </p:spPr>
+        <p:txBody>
+          <a:bodyPr vert="horz" lIns="91440" tIns="45720" rIns="91440" bIns="45720" rtlCol="0">
+            <a:noAutofit/>
+          </a:bodyPr>
+          <a:lstStyle>
+            <a:lvl1pPr marL="228600" indent="-228600" algn="l" defTabSz="914400" rtl="0" eaLnBrk="1" latinLnBrk="1" hangingPunct="1">
+              <a:lnSpc>
+                <a:spcPct val="90000"/>
+              </a:lnSpc>
+              <a:spcBef>
+                <a:spcPts val="1000"/>
+              </a:spcBef>
+              <a:buFont typeface="Arial" panose="020B0604020202020204" pitchFamily="34" charset="0"/>
+              <a:buChar char="•"/>
+              <a:defRPr sz="2800" kern="1200">
+                <a:solidFill>
+                  <a:schemeClr val="tx1"/>
+                </a:solidFill>
+                <a:latin typeface="+mn-lt"/>
+                <a:ea typeface="+mn-ea"/>
+                <a:cs typeface="+mn-cs"/>
+              </a:defRPr>
+            </a:lvl1pPr>
+            <a:lvl2pPr marL="685800" indent="-228600" algn="l" defTabSz="914400" rtl="0" eaLnBrk="1" latinLnBrk="1" hangingPunct="1">
+              <a:lnSpc>
+                <a:spcPct val="90000"/>
+              </a:lnSpc>
+              <a:spcBef>
+                <a:spcPts val="500"/>
+              </a:spcBef>
+              <a:buFont typeface="Arial" panose="020B0604020202020204" pitchFamily="34" charset="0"/>
+              <a:buChar char="•"/>
+              <a:defRPr sz="2400" kern="1200">
+                <a:solidFill>
+                  <a:schemeClr val="tx1"/>
+                </a:solidFill>
+                <a:latin typeface="+mn-lt"/>
+                <a:ea typeface="+mn-ea"/>
+                <a:cs typeface="+mn-cs"/>
+              </a:defRPr>
+            </a:lvl2pPr>
+            <a:lvl3pPr marL="1143000" indent="-228600" algn="l" defTabSz="914400" rtl="0" eaLnBrk="1" latinLnBrk="1" hangingPunct="1">
+              <a:lnSpc>
+                <a:spcPct val="90000"/>
+              </a:lnSpc>
+              <a:spcBef>
+                <a:spcPts val="500"/>
+              </a:spcBef>
+              <a:buFont typeface="Arial" panose="020B0604020202020204" pitchFamily="34" charset="0"/>
+              <a:buChar char="•"/>
+              <a:defRPr sz="2000" kern="1200">
+                <a:solidFill>
+                  <a:schemeClr val="tx1"/>
+                </a:solidFill>
+                <a:latin typeface="+mn-lt"/>
+                <a:ea typeface="+mn-ea"/>
+                <a:cs typeface="+mn-cs"/>
+              </a:defRPr>
+            </a:lvl3pPr>
+            <a:lvl4pPr marL="1600200" indent="-228600" algn="l" defTabSz="914400" rtl="0" eaLnBrk="1" latinLnBrk="1" hangingPunct="1">
+              <a:lnSpc>
+                <a:spcPct val="90000"/>
+              </a:lnSpc>
+              <a:spcBef>
+                <a:spcPts val="500"/>
+              </a:spcBef>
+              <a:buFont typeface="Arial" panose="020B0604020202020204" pitchFamily="34" charset="0"/>
+              <a:buChar char="•"/>
+              <a:defRPr sz="1800" kern="1200">
+                <a:solidFill>
+                  <a:schemeClr val="tx1"/>
+                </a:solidFill>
+                <a:latin typeface="+mn-lt"/>
+                <a:ea typeface="+mn-ea"/>
+                <a:cs typeface="+mn-cs"/>
+              </a:defRPr>
+            </a:lvl4pPr>
+            <a:lvl5pPr marL="2057400" indent="-228600" algn="l" defTabSz="914400" rtl="0" eaLnBrk="1" latinLnBrk="1" hangingPunct="1">
+              <a:lnSpc>
+                <a:spcPct val="90000"/>
+              </a:lnSpc>
+              <a:spcBef>
+                <a:spcPts val="500"/>
+              </a:spcBef>
+              <a:buFont typeface="Arial" panose="020B0604020202020204" pitchFamily="34" charset="0"/>
+              <a:buChar char="•"/>
+              <a:defRPr sz="1800" kern="1200">
+                <a:solidFill>
+                  <a:schemeClr val="tx1"/>
+                </a:solidFill>
+                <a:latin typeface="+mn-lt"/>
+                <a:ea typeface="+mn-ea"/>
+                <a:cs typeface="+mn-cs"/>
+              </a:defRPr>
+            </a:lvl5pPr>
+            <a:lvl6pPr marL="2514600" indent="-228600" algn="l" defTabSz="914400" rtl="0" eaLnBrk="1" latinLnBrk="1" hangingPunct="1">
+              <a:lnSpc>
+                <a:spcPct val="90000"/>
+              </a:lnSpc>
+              <a:spcBef>
+                <a:spcPts val="500"/>
+              </a:spcBef>
+              <a:buFont typeface="Arial" panose="020B0604020202020204" pitchFamily="34" charset="0"/>
+              <a:buChar char="•"/>
+              <a:defRPr sz="1800" kern="1200">
+                <a:solidFill>
+                  <a:schemeClr val="tx1"/>
+                </a:solidFill>
+                <a:latin typeface="+mn-lt"/>
+                <a:ea typeface="+mn-ea"/>
+                <a:cs typeface="+mn-cs"/>
+              </a:defRPr>
+            </a:lvl6pPr>
+            <a:lvl7pPr marL="2971800" indent="-228600" algn="l" defTabSz="914400" rtl="0" eaLnBrk="1" latinLnBrk="1" hangingPunct="1">
+              <a:lnSpc>
+                <a:spcPct val="90000"/>
+              </a:lnSpc>
+              <a:spcBef>
+                <a:spcPts val="500"/>
+              </a:spcBef>
+              <a:buFont typeface="Arial" panose="020B0604020202020204" pitchFamily="34" charset="0"/>
+              <a:buChar char="•"/>
+              <a:defRPr sz="1800" kern="1200">
+                <a:solidFill>
+                  <a:schemeClr val="tx1"/>
+                </a:solidFill>
+                <a:latin typeface="+mn-lt"/>
+                <a:ea typeface="+mn-ea"/>
+                <a:cs typeface="+mn-cs"/>
+              </a:defRPr>
+            </a:lvl7pPr>
+            <a:lvl8pPr marL="3429000" indent="-228600" algn="l" defTabSz="914400" rtl="0" eaLnBrk="1" latinLnBrk="1" hangingPunct="1">
+              <a:lnSpc>
+                <a:spcPct val="90000"/>
+              </a:lnSpc>
+              <a:spcBef>
+                <a:spcPts val="500"/>
+              </a:spcBef>
+              <a:buFont typeface="Arial" panose="020B0604020202020204" pitchFamily="34" charset="0"/>
+              <a:buChar char="•"/>
+              <a:defRPr sz="1800" kern="1200">
+                <a:solidFill>
+                  <a:schemeClr val="tx1"/>
+                </a:solidFill>
+                <a:latin typeface="+mn-lt"/>
+                <a:ea typeface="+mn-ea"/>
+                <a:cs typeface="+mn-cs"/>
+              </a:defRPr>
+            </a:lvl8pPr>
+            <a:lvl9pPr marL="3886200" indent="-228600" algn="l" defTabSz="914400" rtl="0" eaLnBrk="1" latinLnBrk="1" hangingPunct="1">
+              <a:lnSpc>
+                <a:spcPct val="90000"/>
+              </a:lnSpc>
+              <a:spcBef>
+                <a:spcPts val="500"/>
+              </a:spcBef>
+              <a:buFont typeface="Arial" panose="020B0604020202020204" pitchFamily="34" charset="0"/>
+              <a:buChar char="•"/>
+              <a:defRPr sz="1800" kern="1200">
+                <a:solidFill>
+                  <a:schemeClr val="tx1"/>
+                </a:solidFill>
+                <a:latin typeface="+mn-lt"/>
+                <a:ea typeface="+mn-ea"/>
+                <a:cs typeface="+mn-cs"/>
+              </a:defRPr>
+            </a:lvl9pPr>
+          </a:lstStyle>
+          <a:p>
+            <a:pPr marL="0" indent="0" algn="ctr">
+              <a:buFont typeface="Arial" panose="020B0604020202020204" pitchFamily="34" charset="0"/>
+              <a:buNone/>
+            </a:pPr>
+            <a:r>
+              <a:rPr lang="ko-KR" altLang="en-US" sz="2000" b="1" dirty="0">
+                <a:solidFill>
+                  <a:schemeClr val="bg1"/>
+                </a:solidFill>
+              </a:rPr>
+              <a:t>실제 적용할 명령어</a:t>
+            </a:r>
+          </a:p>
+        </p:txBody>
+      </p:sp>
+      <p:sp>
+        <p:nvSpPr>
+          <p:cNvPr id="8" name="내용 개체 틀 2">
+            <a:extLst>
+              <a:ext uri="{FF2B5EF4-FFF2-40B4-BE49-F238E27FC236}">
+                <a16:creationId xmlns:a16="http://schemas.microsoft.com/office/drawing/2014/main" id="{4823CA6C-C796-D586-766C-E1B75A5F36D8}"/>
+              </a:ext>
+            </a:extLst>
+          </p:cNvPr>
+          <p:cNvSpPr txBox="1">
+            <a:spLocks/>
+          </p:cNvSpPr>
+          <p:nvPr/>
+        </p:nvSpPr>
+        <p:spPr>
+          <a:xfrm>
+            <a:off x="446073" y="3189193"/>
+            <a:ext cx="1855305" cy="479613"/>
+          </a:xfrm>
+          <a:prstGeom prst="rect">
+            <a:avLst/>
+          </a:prstGeom>
+        </p:spPr>
+        <p:txBody>
+          <a:bodyPr vert="horz" lIns="91440" tIns="45720" rIns="91440" bIns="45720" rtlCol="0">
+            <a:noAutofit/>
+          </a:bodyPr>
+          <a:lstStyle>
+            <a:lvl1pPr marL="228600" indent="-228600" algn="l" defTabSz="914400" rtl="0" eaLnBrk="1" latinLnBrk="1" hangingPunct="1">
+              <a:lnSpc>
+                <a:spcPct val="90000"/>
+              </a:lnSpc>
+              <a:spcBef>
+                <a:spcPts val="1000"/>
+              </a:spcBef>
+              <a:buFont typeface="Arial" panose="020B0604020202020204" pitchFamily="34" charset="0"/>
+              <a:buChar char="•"/>
+              <a:defRPr sz="2800" kern="1200">
+                <a:solidFill>
+                  <a:schemeClr val="tx1"/>
+                </a:solidFill>
+                <a:latin typeface="+mn-lt"/>
+                <a:ea typeface="+mn-ea"/>
+                <a:cs typeface="+mn-cs"/>
+              </a:defRPr>
+            </a:lvl1pPr>
+            <a:lvl2pPr marL="685800" indent="-228600" algn="l" defTabSz="914400" rtl="0" eaLnBrk="1" latinLnBrk="1" hangingPunct="1">
+              <a:lnSpc>
+                <a:spcPct val="90000"/>
+              </a:lnSpc>
+              <a:spcBef>
+                <a:spcPts val="500"/>
+              </a:spcBef>
+              <a:buFont typeface="Arial" panose="020B0604020202020204" pitchFamily="34" charset="0"/>
+              <a:buChar char="•"/>
+              <a:defRPr sz="2400" kern="1200">
+                <a:solidFill>
+                  <a:schemeClr val="tx1"/>
+                </a:solidFill>
+                <a:latin typeface="+mn-lt"/>
+                <a:ea typeface="+mn-ea"/>
+                <a:cs typeface="+mn-cs"/>
+              </a:defRPr>
+            </a:lvl2pPr>
+            <a:lvl3pPr marL="1143000" indent="-228600" algn="l" defTabSz="914400" rtl="0" eaLnBrk="1" latinLnBrk="1" hangingPunct="1">
+              <a:lnSpc>
+                <a:spcPct val="90000"/>
+              </a:lnSpc>
+              <a:spcBef>
+                <a:spcPts val="500"/>
+              </a:spcBef>
+              <a:buFont typeface="Arial" panose="020B0604020202020204" pitchFamily="34" charset="0"/>
+              <a:buChar char="•"/>
+              <a:defRPr sz="2000" kern="1200">
+                <a:solidFill>
+                  <a:schemeClr val="tx1"/>
+                </a:solidFill>
+                <a:latin typeface="+mn-lt"/>
+                <a:ea typeface="+mn-ea"/>
+                <a:cs typeface="+mn-cs"/>
+              </a:defRPr>
+            </a:lvl3pPr>
+            <a:lvl4pPr marL="1600200" indent="-228600" algn="l" defTabSz="914400" rtl="0" eaLnBrk="1" latinLnBrk="1" hangingPunct="1">
+              <a:lnSpc>
+                <a:spcPct val="90000"/>
+              </a:lnSpc>
+              <a:spcBef>
+                <a:spcPts val="500"/>
+              </a:spcBef>
+              <a:buFont typeface="Arial" panose="020B0604020202020204" pitchFamily="34" charset="0"/>
+              <a:buChar char="•"/>
+              <a:defRPr sz="1800" kern="1200">
+                <a:solidFill>
+                  <a:schemeClr val="tx1"/>
+                </a:solidFill>
+                <a:latin typeface="+mn-lt"/>
+                <a:ea typeface="+mn-ea"/>
+                <a:cs typeface="+mn-cs"/>
+              </a:defRPr>
+            </a:lvl4pPr>
+            <a:lvl5pPr marL="2057400" indent="-228600" algn="l" defTabSz="914400" rtl="0" eaLnBrk="1" latinLnBrk="1" hangingPunct="1">
+              <a:lnSpc>
+                <a:spcPct val="90000"/>
+              </a:lnSpc>
+              <a:spcBef>
+                <a:spcPts val="500"/>
+              </a:spcBef>
+              <a:buFont typeface="Arial" panose="020B0604020202020204" pitchFamily="34" charset="0"/>
+              <a:buChar char="•"/>
+              <a:defRPr sz="1800" kern="1200">
+                <a:solidFill>
+                  <a:schemeClr val="tx1"/>
+                </a:solidFill>
+                <a:latin typeface="+mn-lt"/>
+                <a:ea typeface="+mn-ea"/>
+                <a:cs typeface="+mn-cs"/>
+              </a:defRPr>
+            </a:lvl5pPr>
+            <a:lvl6pPr marL="2514600" indent="-228600" algn="l" defTabSz="914400" rtl="0" eaLnBrk="1" latinLnBrk="1" hangingPunct="1">
+              <a:lnSpc>
+                <a:spcPct val="90000"/>
+              </a:lnSpc>
+              <a:spcBef>
+                <a:spcPts val="500"/>
+              </a:spcBef>
+              <a:buFont typeface="Arial" panose="020B0604020202020204" pitchFamily="34" charset="0"/>
+              <a:buChar char="•"/>
+              <a:defRPr sz="1800" kern="1200">
+                <a:solidFill>
+                  <a:schemeClr val="tx1"/>
+                </a:solidFill>
+                <a:latin typeface="+mn-lt"/>
+                <a:ea typeface="+mn-ea"/>
+                <a:cs typeface="+mn-cs"/>
+              </a:defRPr>
+            </a:lvl6pPr>
+            <a:lvl7pPr marL="2971800" indent="-228600" algn="l" defTabSz="914400" rtl="0" eaLnBrk="1" latinLnBrk="1" hangingPunct="1">
+              <a:lnSpc>
+                <a:spcPct val="90000"/>
+              </a:lnSpc>
+              <a:spcBef>
+                <a:spcPts val="500"/>
+              </a:spcBef>
+              <a:buFont typeface="Arial" panose="020B0604020202020204" pitchFamily="34" charset="0"/>
+              <a:buChar char="•"/>
+              <a:defRPr sz="1800" kern="1200">
+                <a:solidFill>
+                  <a:schemeClr val="tx1"/>
+                </a:solidFill>
+                <a:latin typeface="+mn-lt"/>
+                <a:ea typeface="+mn-ea"/>
+                <a:cs typeface="+mn-cs"/>
+              </a:defRPr>
+            </a:lvl7pPr>
+            <a:lvl8pPr marL="3429000" indent="-228600" algn="l" defTabSz="914400" rtl="0" eaLnBrk="1" latinLnBrk="1" hangingPunct="1">
+              <a:lnSpc>
+                <a:spcPct val="90000"/>
+              </a:lnSpc>
+              <a:spcBef>
+                <a:spcPts val="500"/>
+              </a:spcBef>
+              <a:buFont typeface="Arial" panose="020B0604020202020204" pitchFamily="34" charset="0"/>
+              <a:buChar char="•"/>
+              <a:defRPr sz="1800" kern="1200">
+                <a:solidFill>
+                  <a:schemeClr val="tx1"/>
+                </a:solidFill>
+                <a:latin typeface="+mn-lt"/>
+                <a:ea typeface="+mn-ea"/>
+                <a:cs typeface="+mn-cs"/>
+              </a:defRPr>
+            </a:lvl8pPr>
+            <a:lvl9pPr marL="3886200" indent="-228600" algn="l" defTabSz="914400" rtl="0" eaLnBrk="1" latinLnBrk="1" hangingPunct="1">
+              <a:lnSpc>
+                <a:spcPct val="90000"/>
+              </a:lnSpc>
+              <a:spcBef>
+                <a:spcPts val="500"/>
+              </a:spcBef>
+              <a:buFont typeface="Arial" panose="020B0604020202020204" pitchFamily="34" charset="0"/>
+              <a:buChar char="•"/>
+              <a:defRPr sz="1800" kern="1200">
+                <a:solidFill>
+                  <a:schemeClr val="tx1"/>
+                </a:solidFill>
+                <a:latin typeface="+mn-lt"/>
+                <a:ea typeface="+mn-ea"/>
+                <a:cs typeface="+mn-cs"/>
+              </a:defRPr>
+            </a:lvl9pPr>
+          </a:lstStyle>
+          <a:p>
+            <a:pPr marL="0" indent="0" algn="ctr">
+              <a:buFont typeface="Arial" panose="020B0604020202020204" pitchFamily="34" charset="0"/>
+              <a:buNone/>
+            </a:pPr>
+            <a:r>
+              <a:rPr lang="ko-KR" altLang="en-US" sz="2000" b="1" dirty="0">
+                <a:solidFill>
+                  <a:schemeClr val="bg1"/>
+                </a:solidFill>
+              </a:rPr>
+              <a:t>기본 명령어</a:t>
+            </a:r>
+          </a:p>
+        </p:txBody>
+      </p:sp>
+      <p:pic>
+        <p:nvPicPr>
+          <p:cNvPr id="10" name="그림 9">
+            <a:extLst>
+              <a:ext uri="{FF2B5EF4-FFF2-40B4-BE49-F238E27FC236}">
+                <a16:creationId xmlns:a16="http://schemas.microsoft.com/office/drawing/2014/main" id="{3FAC0C6A-379B-A365-3EBE-AC96417FED69}"/>
+              </a:ext>
+            </a:extLst>
+          </p:cNvPr>
+          <p:cNvPicPr>
+            <a:picLocks noChangeAspect="1"/>
+          </p:cNvPicPr>
+          <p:nvPr/>
+        </p:nvPicPr>
+        <p:blipFill>
+          <a:blip r:embed="rId2"/>
+          <a:stretch>
+            <a:fillRect/>
+          </a:stretch>
+        </p:blipFill>
+        <p:spPr>
+          <a:xfrm>
+            <a:off x="2829335" y="2085724"/>
+            <a:ext cx="6783089" cy="2206938"/>
+          </a:xfrm>
+          <a:prstGeom prst="rect">
+            <a:avLst/>
+          </a:prstGeom>
+        </p:spPr>
+      </p:pic>
+      <p:pic>
+        <p:nvPicPr>
+          <p:cNvPr id="12" name="그림 11">
+            <a:extLst>
+              <a:ext uri="{FF2B5EF4-FFF2-40B4-BE49-F238E27FC236}">
+                <a16:creationId xmlns:a16="http://schemas.microsoft.com/office/drawing/2014/main" id="{44F0B618-E7BA-4AD1-10B2-C1CBD72D5C88}"/>
+              </a:ext>
+            </a:extLst>
+          </p:cNvPr>
+          <p:cNvPicPr>
+            <a:picLocks noChangeAspect="1"/>
+          </p:cNvPicPr>
+          <p:nvPr/>
+        </p:nvPicPr>
+        <p:blipFill>
+          <a:blip r:embed="rId3"/>
+          <a:stretch>
+            <a:fillRect/>
+          </a:stretch>
+        </p:blipFill>
+        <p:spPr>
+          <a:xfrm>
+            <a:off x="2829334" y="4446928"/>
+            <a:ext cx="6783089" cy="2206938"/>
+          </a:xfrm>
+          <a:prstGeom prst="rect">
+            <a:avLst/>
+          </a:prstGeom>
+        </p:spPr>
+      </p:pic>
+    </p:spTree>
+    <p:extLst>
+      <p:ext uri="{BB962C8B-B14F-4D97-AF65-F5344CB8AC3E}">
+        <p14:creationId xmlns:p14="http://schemas.microsoft.com/office/powerpoint/2010/main" val="4140410295"/>
+      </p:ext>
+    </p:extLst>
+  </p:cSld>
+  <p:clrMapOvr>
+    <a:masterClrMapping/>
+  </p:clrMapOvr>
+</p:sld>
+</file>
+
+<file path=ppt/slides/slide2.xml><?xml version="1.0" encoding="utf-8"?>
+<p:sld xmlns:a="http://schemas.openxmlformats.org/drawingml/2006/main" xmlns:r="http://schemas.openxmlformats.org/officeDocument/2006/relationships" xmlns:p="http://schemas.openxmlformats.org/presentationml/2006/main">
+  <p:cSld>
+    <p:bg>
+      <p:bgPr>
+        <a:solidFill>
+          <a:schemeClr val="tx1"/>
+        </a:solidFill>
+        <a:effectLst/>
+      </p:bgPr>
+    </p:bg>
+    <p:spTree>
+      <p:nvGrpSpPr>
+        <p:cNvPr id="1" name=""/>
+        <p:cNvGrpSpPr/>
+        <p:nvPr/>
+      </p:nvGrpSpPr>
+      <p:grpSpPr>
+        <a:xfrm>
+          <a:off x="0" y="0"/>
+          <a:ext cx="0" cy="0"/>
+          <a:chOff x="0" y="0"/>
+          <a:chExt cx="0" cy="0"/>
+        </a:xfrm>
+      </p:grpSpPr>
+      <p:sp>
+        <p:nvSpPr>
+          <p:cNvPr id="2" name="제목 1">
+            <a:extLst>
+              <a:ext uri="{FF2B5EF4-FFF2-40B4-BE49-F238E27FC236}">
+                <a16:creationId xmlns:a16="http://schemas.microsoft.com/office/drawing/2014/main" id="{5BE5576E-952E-F7F1-2302-54BDD3AAB141}"/>
+              </a:ext>
+            </a:extLst>
+          </p:cNvPr>
+          <p:cNvSpPr>
+            <a:spLocks noGrp="1"/>
+          </p:cNvSpPr>
+          <p:nvPr>
+            <p:ph type="title"/>
+          </p:nvPr>
+        </p:nvSpPr>
+        <p:spPr/>
+        <p:txBody>
+          <a:bodyPr/>
+          <a:lstStyle/>
+          <a:p>
+            <a:pPr algn="ctr"/>
+            <a:r>
+              <a:rPr lang="en-US" altLang="ko-KR" b="1" dirty="0">
+                <a:solidFill>
+                  <a:schemeClr val="bg1"/>
+                </a:solidFill>
+              </a:rPr>
+              <a:t>Server</a:t>
+            </a:r>
+            <a:endParaRPr lang="ko-KR" altLang="en-US" b="1" dirty="0">
+              <a:solidFill>
+                <a:schemeClr val="bg1"/>
+              </a:solidFill>
+            </a:endParaRPr>
+          </a:p>
+        </p:txBody>
+      </p:sp>
+      <p:sp>
+        <p:nvSpPr>
+          <p:cNvPr id="3" name="내용 개체 틀 2">
+            <a:extLst>
+              <a:ext uri="{FF2B5EF4-FFF2-40B4-BE49-F238E27FC236}">
+                <a16:creationId xmlns:a16="http://schemas.microsoft.com/office/drawing/2014/main" id="{768FC02E-6B91-D0CD-832A-CDD9503CD5B6}"/>
+              </a:ext>
+            </a:extLst>
+          </p:cNvPr>
+          <p:cNvSpPr>
+            <a:spLocks noGrp="1"/>
+          </p:cNvSpPr>
+          <p:nvPr>
+            <p:ph idx="1"/>
+          </p:nvPr>
+        </p:nvSpPr>
+        <p:spPr/>
+        <p:txBody>
+          <a:bodyPr/>
+          <a:lstStyle/>
+          <a:p>
+            <a:pPr marL="0" indent="0" algn="ctr">
+              <a:buNone/>
+            </a:pPr>
+            <a:r>
+              <a:rPr lang="ko-KR" altLang="en-US" b="1" dirty="0">
+                <a:solidFill>
+                  <a:schemeClr val="bg1"/>
+                </a:solidFill>
+              </a:rPr>
+              <a:t>클라이언트에게 네트워크를 통해 정보를 제공해주는 장치</a:t>
+            </a:r>
+          </a:p>
+        </p:txBody>
+      </p:sp>
+      <p:pic>
+        <p:nvPicPr>
+          <p:cNvPr id="5" name="그래픽 4" descr="데이터베이스 윤곽선">
+            <a:extLst>
+              <a:ext uri="{FF2B5EF4-FFF2-40B4-BE49-F238E27FC236}">
+                <a16:creationId xmlns:a16="http://schemas.microsoft.com/office/drawing/2014/main" id="{9C28F954-4D84-DD80-102D-B70D3AC4D82C}"/>
+              </a:ext>
+            </a:extLst>
+          </p:cNvPr>
+          <p:cNvPicPr>
+            <a:picLocks noChangeAspect="1"/>
+          </p:cNvPicPr>
+          <p:nvPr/>
+        </p:nvPicPr>
+        <p:blipFill>
+          <a:blip r:embed="rId2">
+            <a:extLst>
+              <a:ext uri="{28A0092B-C50C-407E-A947-70E740481C1C}">
+                <a14:useLocalDpi xmlns:a14="http://schemas.microsoft.com/office/drawing/2010/main" val="0"/>
+              </a:ext>
+              <a:ext uri="{96DAC541-7B7A-43D3-8B79-37D633B846F1}">
+                <asvg:svgBlip xmlns:asvg="http://schemas.microsoft.com/office/drawing/2016/SVG/main" r:embed="rId3"/>
+              </a:ext>
+            </a:extLst>
+          </a:blip>
+          <a:stretch>
+            <a:fillRect/>
+          </a:stretch>
+        </p:blipFill>
+        <p:spPr>
+          <a:xfrm>
+            <a:off x="2319850" y="3029204"/>
+            <a:ext cx="2942814" cy="2942814"/>
+          </a:xfrm>
+          <a:prstGeom prst="rect">
+            <a:avLst/>
+          </a:prstGeom>
+        </p:spPr>
+      </p:pic>
+      <p:pic>
+        <p:nvPicPr>
+          <p:cNvPr id="7" name="그림 6">
+            <a:extLst>
+              <a:ext uri="{FF2B5EF4-FFF2-40B4-BE49-F238E27FC236}">
+                <a16:creationId xmlns:a16="http://schemas.microsoft.com/office/drawing/2014/main" id="{60481173-29A1-9B1F-B184-5562B98E6028}"/>
+              </a:ext>
+            </a:extLst>
+          </p:cNvPr>
+          <p:cNvPicPr>
+            <a:picLocks noChangeAspect="1"/>
+          </p:cNvPicPr>
+          <p:nvPr/>
+        </p:nvPicPr>
+        <p:blipFill>
+          <a:blip r:embed="rId4"/>
+          <a:stretch>
+            <a:fillRect/>
+          </a:stretch>
+        </p:blipFill>
+        <p:spPr>
+          <a:xfrm>
+            <a:off x="7373119" y="3090789"/>
+            <a:ext cx="2834886" cy="2819644"/>
+          </a:xfrm>
+          <a:prstGeom prst="rect">
+            <a:avLst/>
+          </a:prstGeom>
+        </p:spPr>
+      </p:pic>
+    </p:spTree>
+    <p:extLst>
+      <p:ext uri="{BB962C8B-B14F-4D97-AF65-F5344CB8AC3E}">
+        <p14:creationId xmlns:p14="http://schemas.microsoft.com/office/powerpoint/2010/main" val="1481769821"/>
+      </p:ext>
+    </p:extLst>
+  </p:cSld>
+  <p:clrMapOvr>
+    <a:masterClrMapping/>
+  </p:clrMapOvr>
+</p:sld>
+</file>
+
+<file path=ppt/slides/slide20.xml><?xml version="1.0" encoding="utf-8"?>
+<p:sld xmlns:a="http://schemas.openxmlformats.org/drawingml/2006/main" xmlns:r="http://schemas.openxmlformats.org/officeDocument/2006/relationships" xmlns:p="http://schemas.openxmlformats.org/presentationml/2006/main">
+  <p:cSld>
+    <p:bg>
+      <p:bgPr>
+        <a:solidFill>
+          <a:schemeClr val="tx1"/>
+        </a:solidFill>
+        <a:effectLst/>
+      </p:bgPr>
+    </p:bg>
+    <p:spTree>
+      <p:nvGrpSpPr>
+        <p:cNvPr id="1" name=""/>
+        <p:cNvGrpSpPr/>
+        <p:nvPr/>
+      </p:nvGrpSpPr>
+      <p:grpSpPr>
+        <a:xfrm>
+          <a:off x="0" y="0"/>
+          <a:ext cx="0" cy="0"/>
+          <a:chOff x="0" y="0"/>
+          <a:chExt cx="0" cy="0"/>
+        </a:xfrm>
+      </p:grpSpPr>
+      <p:sp>
+        <p:nvSpPr>
+          <p:cNvPr id="2" name="제목 1">
+            <a:extLst>
+              <a:ext uri="{FF2B5EF4-FFF2-40B4-BE49-F238E27FC236}">
                 <a16:creationId xmlns:a16="http://schemas.microsoft.com/office/drawing/2014/main" id="{5BE5576E-952E-F7F1-2302-54BDD3AAB141}"/>
               </a:ext>
             </a:extLst>
@@ -5640,7 +7895,7 @@
 </p:sld>
 </file>
 
-<file path=ppt/slides/slide17.xml><?xml version="1.0" encoding="utf-8"?>
+<file path=ppt/slides/slide21.xml><?xml version="1.0" encoding="utf-8"?>
 <p:sld xmlns:a="http://schemas.openxmlformats.org/drawingml/2006/main" xmlns:r="http://schemas.openxmlformats.org/officeDocument/2006/relationships" xmlns:p="http://schemas.openxmlformats.org/presentationml/2006/main">
   <p:cSld>
     <p:bg>
@@ -6099,7 +8354,7 @@
 </p:sld>
 </file>
 
-<file path=ppt/slides/slide18.xml><?xml version="1.0" encoding="utf-8"?>
+<file path=ppt/slides/slide22.xml><?xml version="1.0" encoding="utf-8"?>
 <p:sld xmlns:a="http://schemas.openxmlformats.org/drawingml/2006/main" xmlns:r="http://schemas.openxmlformats.org/officeDocument/2006/relationships" xmlns:p="http://schemas.openxmlformats.org/presentationml/2006/main">
   <p:cSld>
     <p:bg>
@@ -6248,186 +8503,6 @@
     <p:extLst>
       <p:ext uri="{BB962C8B-B14F-4D97-AF65-F5344CB8AC3E}">
         <p14:creationId xmlns:p14="http://schemas.microsoft.com/office/powerpoint/2010/main" val="2309473803"/>
-      </p:ext>
-    </p:extLst>
-  </p:cSld>
-  <p:clrMapOvr>
-    <a:masterClrMapping/>
-  </p:clrMapOvr>
-</p:sld>
-</file>
-
-<file path=ppt/slides/slide2.xml><?xml version="1.0" encoding="utf-8"?>
-<p:sld xmlns:a="http://schemas.openxmlformats.org/drawingml/2006/main" xmlns:r="http://schemas.openxmlformats.org/officeDocument/2006/relationships" xmlns:p="http://schemas.openxmlformats.org/presentationml/2006/main">
-  <p:cSld>
-    <p:bg>
-      <p:bgPr>
-        <a:solidFill>
-          <a:schemeClr val="tx1"/>
-        </a:solidFill>
-        <a:effectLst/>
-      </p:bgPr>
-    </p:bg>
-    <p:spTree>
-      <p:nvGrpSpPr>
-        <p:cNvPr id="1" name=""/>
-        <p:cNvGrpSpPr/>
-        <p:nvPr/>
-      </p:nvGrpSpPr>
-      <p:grpSpPr>
-        <a:xfrm>
-          <a:off x="0" y="0"/>
-          <a:ext cx="0" cy="0"/>
-          <a:chOff x="0" y="0"/>
-          <a:chExt cx="0" cy="0"/>
-        </a:xfrm>
-      </p:grpSpPr>
-      <p:sp>
-        <p:nvSpPr>
-          <p:cNvPr id="2" name="제목 1">
-            <a:extLst>
-              <a:ext uri="{FF2B5EF4-FFF2-40B4-BE49-F238E27FC236}">
-                <a16:creationId xmlns:a16="http://schemas.microsoft.com/office/drawing/2014/main" id="{5BE5576E-952E-F7F1-2302-54BDD3AAB141}"/>
-              </a:ext>
-            </a:extLst>
-          </p:cNvPr>
-          <p:cNvSpPr>
-            <a:spLocks noGrp="1"/>
-          </p:cNvSpPr>
-          <p:nvPr>
-            <p:ph type="title"/>
-          </p:nvPr>
-        </p:nvSpPr>
-        <p:spPr/>
-        <p:txBody>
-          <a:bodyPr/>
-          <a:lstStyle/>
-          <a:p>
-            <a:pPr algn="ctr"/>
-            <a:r>
-              <a:rPr lang="en-US" altLang="ko-KR" b="1" dirty="0">
-                <a:solidFill>
-                  <a:schemeClr val="bg1"/>
-                </a:solidFill>
-              </a:rPr>
-              <a:t>Server</a:t>
-            </a:r>
-            <a:endParaRPr lang="ko-KR" altLang="en-US" b="1" dirty="0">
-              <a:solidFill>
-                <a:schemeClr val="bg1"/>
-              </a:solidFill>
-            </a:endParaRPr>
-          </a:p>
-        </p:txBody>
-      </p:sp>
-      <p:sp>
-        <p:nvSpPr>
-          <p:cNvPr id="3" name="내용 개체 틀 2">
-            <a:extLst>
-              <a:ext uri="{FF2B5EF4-FFF2-40B4-BE49-F238E27FC236}">
-                <a16:creationId xmlns:a16="http://schemas.microsoft.com/office/drawing/2014/main" id="{768FC02E-6B91-D0CD-832A-CDD9503CD5B6}"/>
-              </a:ext>
-            </a:extLst>
-          </p:cNvPr>
-          <p:cNvSpPr>
-            <a:spLocks noGrp="1"/>
-          </p:cNvSpPr>
-          <p:nvPr>
-            <p:ph idx="1"/>
-          </p:nvPr>
-        </p:nvSpPr>
-        <p:spPr/>
-        <p:txBody>
-          <a:bodyPr/>
-          <a:lstStyle/>
-          <a:p>
-            <a:pPr marL="0" indent="0" algn="ctr">
-              <a:buNone/>
-            </a:pPr>
-            <a:r>
-              <a:rPr lang="ko-KR" altLang="en-US" b="1" dirty="0">
-                <a:solidFill>
-                  <a:schemeClr val="bg1"/>
-                </a:solidFill>
-              </a:rPr>
-              <a:t>클라이언트에게 네트워크를 통해 정보를 제공해주는 장치</a:t>
-            </a:r>
-          </a:p>
-        </p:txBody>
-      </p:sp>
-      <p:pic>
-        <p:nvPicPr>
-          <p:cNvPr id="5" name="그래픽 4" descr="데이터베이스 윤곽선">
-            <a:extLst>
-              <a:ext uri="{FF2B5EF4-FFF2-40B4-BE49-F238E27FC236}">
-                <a16:creationId xmlns:a16="http://schemas.microsoft.com/office/drawing/2014/main" id="{9C28F954-4D84-DD80-102D-B70D3AC4D82C}"/>
-              </a:ext>
-            </a:extLst>
-          </p:cNvPr>
-          <p:cNvPicPr>
-            <a:picLocks noChangeAspect="1"/>
-          </p:cNvPicPr>
-          <p:nvPr/>
-        </p:nvPicPr>
-        <p:blipFill>
-          <a:blip r:embed="rId2">
-            <a:extLst>
-              <a:ext uri="{28A0092B-C50C-407E-A947-70E740481C1C}">
-                <a14:useLocalDpi xmlns:a14="http://schemas.microsoft.com/office/drawing/2010/main" val="0"/>
-              </a:ext>
-              <a:ext uri="{96DAC541-7B7A-43D3-8B79-37D633B846F1}">
-                <asvg:svgBlip xmlns:asvg="http://schemas.microsoft.com/office/drawing/2016/SVG/main" r:embed="rId3"/>
-              </a:ext>
-            </a:extLst>
-          </a:blip>
-          <a:stretch>
-            <a:fillRect/>
-          </a:stretch>
-        </p:blipFill>
-        <p:spPr>
-          <a:xfrm>
-            <a:off x="2319850" y="3029204"/>
-            <a:ext cx="2942814" cy="2942814"/>
-          </a:xfrm>
-          <a:prstGeom prst="rect">
-            <a:avLst/>
-          </a:prstGeom>
-        </p:spPr>
-      </p:pic>
-      <p:pic>
-        <p:nvPicPr>
-          <p:cNvPr id="7" name="그림 6">
-            <a:extLst>
-              <a:ext uri="{FF2B5EF4-FFF2-40B4-BE49-F238E27FC236}">
-                <a16:creationId xmlns:a16="http://schemas.microsoft.com/office/drawing/2014/main" id="{60481173-29A1-9B1F-B184-5562B98E6028}"/>
-              </a:ext>
-            </a:extLst>
-          </p:cNvPr>
-          <p:cNvPicPr>
-            <a:picLocks noChangeAspect="1"/>
-          </p:cNvPicPr>
-          <p:nvPr/>
-        </p:nvPicPr>
-        <p:blipFill>
-          <a:blip r:embed="rId4"/>
-          <a:stretch>
-            <a:fillRect/>
-          </a:stretch>
-        </p:blipFill>
-        <p:spPr>
-          <a:xfrm>
-            <a:off x="7373119" y="3090789"/>
-            <a:ext cx="2834886" cy="2819644"/>
-          </a:xfrm>
-          <a:prstGeom prst="rect">
-            <a:avLst/>
-          </a:prstGeom>
-        </p:spPr>
-      </p:pic>
-    </p:spTree>
-    <p:extLst>
-      <p:ext uri="{BB962C8B-B14F-4D97-AF65-F5344CB8AC3E}">
-        <p14:creationId xmlns:p14="http://schemas.microsoft.com/office/powerpoint/2010/main" val="1481769821"/>
       </p:ext>
     </p:extLst>
   </p:cSld>
